--- a/Fall_2024/day1/C_RandomForests.pptx
+++ b/Fall_2024/day1/C_RandomForests.pptx
@@ -5,7 +5,7 @@
     <p:sldMasterId id="2147483660" r:id="rId1"/>
   </p:sldMasterIdLst>
   <p:notesMasterIdLst>
-    <p:notesMasterId r:id="rId14"/>
+    <p:notesMasterId r:id="rId13"/>
   </p:notesMasterIdLst>
   <p:sldIdLst>
     <p:sldId id="335" r:id="rId2"/>
@@ -19,7 +19,6 @@
     <p:sldId id="375" r:id="rId10"/>
     <p:sldId id="339" r:id="rId11"/>
     <p:sldId id="346" r:id="rId12"/>
-    <p:sldId id="369" r:id="rId13"/>
   </p:sldIdLst>
   <p:sldSz cx="9144000" cy="6858000" type="screen4x3"/>
   <p:notesSz cx="6858000" cy="9144000"/>
@@ -222,7 +221,7 @@
           <a:p>
             <a:fld id="{B0C0A60C-850A-4EA4-9C14-A8FE98B94505}" type="datetimeFigureOut">
               <a:rPr lang="en-US" smtClean="0"/>
-              <a:t>3/4/24</a:t>
+              <a:t>10/15/24</a:t>
             </a:fld>
             <a:endParaRPr lang="en-US"/>
           </a:p>
@@ -573,9 +572,9 @@
 </p:notes>
 </file>
 
-<file path=ppt/notesSlides/notesSlide2.xml><?xml version="1.0" encoding="utf-8"?>
-<p:notes xmlns:a="http://schemas.openxmlformats.org/drawingml/2006/main" xmlns:r="http://schemas.openxmlformats.org/officeDocument/2006/relationships" xmlns:p="http://schemas.openxmlformats.org/presentationml/2006/main">
-  <p:cSld>
+<file path=ppt/slideLayouts/slideLayout1.xml><?xml version="1.0" encoding="utf-8"?>
+<p:sldLayout xmlns:a="http://schemas.openxmlformats.org/drawingml/2006/main" xmlns:r="http://schemas.openxmlformats.org/officeDocument/2006/relationships" xmlns:p="http://schemas.openxmlformats.org/presentationml/2006/main" preserve="1" userDrawn="1">
+  <p:cSld name="Title Only">
     <p:spTree>
       <p:nvGrpSpPr>
         <p:cNvPr id="1" name=""/>
@@ -592,189 +591,7 @@
       </p:grpSpPr>
       <p:sp>
         <p:nvSpPr>
-          <p:cNvPr id="2" name="Slide Image Placeholder 1"/>
-          <p:cNvSpPr>
-            <a:spLocks noGrp="1" noRot="1" noChangeAspect="1"/>
-          </p:cNvSpPr>
-          <p:nvPr>
-            <p:ph type="sldImg"/>
-          </p:nvPr>
-        </p:nvSpPr>
-        <p:spPr/>
-      </p:sp>
-      <p:sp>
-        <p:nvSpPr>
-          <p:cNvPr id="3" name="Notes Placeholder 2"/>
-          <p:cNvSpPr>
-            <a:spLocks noGrp="1"/>
-          </p:cNvSpPr>
-          <p:nvPr>
-            <p:ph type="body" idx="1"/>
-          </p:nvPr>
-        </p:nvSpPr>
-        <p:spPr/>
-        <p:txBody>
-          <a:bodyPr/>
-          <a:lstStyle/>
-          <a:p>
-            <a:endParaRPr lang="en-US" dirty="0"/>
-          </a:p>
-        </p:txBody>
-      </p:sp>
-      <p:sp>
-        <p:nvSpPr>
-          <p:cNvPr id="4" name="Slide Number Placeholder 3"/>
-          <p:cNvSpPr>
-            <a:spLocks noGrp="1"/>
-          </p:cNvSpPr>
-          <p:nvPr>
-            <p:ph type="sldNum" sz="quarter" idx="5"/>
-          </p:nvPr>
-        </p:nvSpPr>
-        <p:spPr/>
-        <p:txBody>
-          <a:bodyPr/>
-          <a:lstStyle/>
-          <a:p>
-            <a:fld id="{24E9AA13-E3FC-4BB6-B68D-5F0F5803D716}" type="slidenum">
-              <a:rPr lang="en-US" smtClean="0"/>
-              <a:t>12</a:t>
-            </a:fld>
-            <a:endParaRPr lang="en-US"/>
-          </a:p>
-        </p:txBody>
-      </p:sp>
-    </p:spTree>
-    <p:extLst>
-      <p:ext uri="{BB962C8B-B14F-4D97-AF65-F5344CB8AC3E}">
-        <p14:creationId xmlns:p14="http://schemas.microsoft.com/office/powerpoint/2010/main" val="249476270"/>
-      </p:ext>
-    </p:extLst>
-  </p:cSld>
-  <p:clrMapOvr>
-    <a:masterClrMapping/>
-  </p:clrMapOvr>
-</p:notes>
-</file>
-
-<file path=ppt/slideLayouts/slideLayout1.xml><?xml version="1.0" encoding="utf-8"?>
-<p:sldLayout xmlns:a="http://schemas.openxmlformats.org/drawingml/2006/main" xmlns:r="http://schemas.openxmlformats.org/officeDocument/2006/relationships" xmlns:p="http://schemas.openxmlformats.org/presentationml/2006/main" type="title" preserve="1">
-  <p:cSld name="Title Slide">
-    <p:spTree>
-      <p:nvGrpSpPr>
-        <p:cNvPr id="1" name=""/>
-        <p:cNvGrpSpPr/>
-        <p:nvPr/>
-      </p:nvGrpSpPr>
-      <p:grpSpPr>
-        <a:xfrm>
-          <a:off x="0" y="0"/>
-          <a:ext cx="0" cy="0"/>
-          <a:chOff x="0" y="0"/>
-          <a:chExt cx="0" cy="0"/>
-        </a:xfrm>
-      </p:grpSpPr>
-      <p:sp>
-        <p:nvSpPr>
-          <p:cNvPr id="2" name="Title 1"/>
-          <p:cNvSpPr>
-            <a:spLocks noGrp="1"/>
-          </p:cNvSpPr>
-          <p:nvPr>
-            <p:ph type="ctrTitle"/>
-          </p:nvPr>
-        </p:nvSpPr>
-        <p:spPr>
-          <a:xfrm>
-            <a:off x="1143000" y="1122363"/>
-            <a:ext cx="6858000" cy="2387600"/>
-          </a:xfrm>
-          <a:prstGeom prst="rect">
-            <a:avLst/>
-          </a:prstGeom>
-        </p:spPr>
-        <p:txBody>
-          <a:bodyPr anchor="b"/>
-          <a:lstStyle>
-            <a:lvl1pPr algn="ctr">
-              <a:defRPr sz="4500"/>
-            </a:lvl1pPr>
-          </a:lstStyle>
-          <a:p>
-            <a:r>
-              <a:rPr lang="en-US"/>
-              <a:t>Click to edit Master title style</a:t>
-            </a:r>
-          </a:p>
-        </p:txBody>
-      </p:sp>
-      <p:sp>
-        <p:nvSpPr>
-          <p:cNvPr id="3" name="Subtitle 2"/>
-          <p:cNvSpPr>
-            <a:spLocks noGrp="1"/>
-          </p:cNvSpPr>
-          <p:nvPr>
-            <p:ph type="subTitle" idx="1"/>
-          </p:nvPr>
-        </p:nvSpPr>
-        <p:spPr>
-          <a:xfrm>
-            <a:off x="1143000" y="3602038"/>
-            <a:ext cx="6858000" cy="1655762"/>
-          </a:xfrm>
-        </p:spPr>
-        <p:txBody>
-          <a:bodyPr/>
-          <a:lstStyle>
-            <a:lvl1pPr marL="0" indent="0" algn="ctr">
-              <a:buNone/>
-              <a:defRPr sz="1800"/>
-            </a:lvl1pPr>
-            <a:lvl2pPr marL="342900" indent="0" algn="ctr">
-              <a:buNone/>
-              <a:defRPr sz="1500"/>
-            </a:lvl2pPr>
-            <a:lvl3pPr marL="685800" indent="0" algn="ctr">
-              <a:buNone/>
-              <a:defRPr sz="1350"/>
-            </a:lvl3pPr>
-            <a:lvl4pPr marL="1028700" indent="0" algn="ctr">
-              <a:buNone/>
-              <a:defRPr sz="1200"/>
-            </a:lvl4pPr>
-            <a:lvl5pPr marL="1371600" indent="0" algn="ctr">
-              <a:buNone/>
-              <a:defRPr sz="1200"/>
-            </a:lvl5pPr>
-            <a:lvl6pPr marL="1714500" indent="0" algn="ctr">
-              <a:buNone/>
-              <a:defRPr sz="1200"/>
-            </a:lvl6pPr>
-            <a:lvl7pPr marL="2057400" indent="0" algn="ctr">
-              <a:buNone/>
-              <a:defRPr sz="1200"/>
-            </a:lvl7pPr>
-            <a:lvl8pPr marL="2400300" indent="0" algn="ctr">
-              <a:buNone/>
-              <a:defRPr sz="1200"/>
-            </a:lvl8pPr>
-            <a:lvl9pPr marL="2743200" indent="0" algn="ctr">
-              <a:buNone/>
-              <a:defRPr sz="1200"/>
-            </a:lvl9pPr>
-          </a:lstStyle>
-          <a:p>
-            <a:r>
-              <a:rPr lang="en-US"/>
-              <a:t>Click to edit Master subtitle style</a:t>
-            </a:r>
-          </a:p>
-        </p:txBody>
-      </p:sp>
-      <p:sp>
-        <p:nvSpPr>
-          <p:cNvPr id="4" name="Date Placeholder 3"/>
+          <p:cNvPr id="3" name="Date Placeholder 2"/>
           <p:cNvSpPr>
             <a:spLocks noGrp="1"/>
           </p:cNvSpPr>
@@ -787,9 +604,9 @@
           <a:bodyPr/>
           <a:lstStyle/>
           <a:p>
-            <a:fld id="{5738B90E-0779-4C36-915C-6F05FCD89456}" type="datetime1">
+            <a:fld id="{6700A58B-DD98-43D0-B791-721480A02982}" type="datetime1">
               <a:rPr lang="en-US" smtClean="0"/>
-              <a:t>3/4/24</a:t>
+              <a:t>10/15/24</a:t>
             </a:fld>
             <a:endParaRPr lang="en-US"/>
           </a:p>
@@ -797,247 +614,7 @@
       </p:sp>
       <p:sp>
         <p:nvSpPr>
-          <p:cNvPr id="6" name="Slide Number Placeholder 5"/>
-          <p:cNvSpPr>
-            <a:spLocks noGrp="1"/>
-          </p:cNvSpPr>
-          <p:nvPr>
-            <p:ph type="sldNum" sz="quarter" idx="12"/>
-          </p:nvPr>
-        </p:nvSpPr>
-        <p:spPr>
-          <a:xfrm>
-            <a:off x="6457950" y="6356351"/>
-            <a:ext cx="857250" cy="365125"/>
-          </a:xfrm>
-        </p:spPr>
-        <p:txBody>
-          <a:bodyPr/>
-          <a:lstStyle/>
-          <a:p>
-            <a:fld id="{37290FF7-652B-4475-AEAB-8B1A5D23AE09}" type="slidenum">
-              <a:rPr lang="en-US" smtClean="0"/>
-              <a:t>‹#›</a:t>
-            </a:fld>
-            <a:endParaRPr lang="en-US"/>
-          </a:p>
-        </p:txBody>
-      </p:sp>
-      <p:pic>
-        <p:nvPicPr>
-          <p:cNvPr id="12290" name="Picture 2" descr="Image result for harvard logo transparent"/>
-          <p:cNvPicPr>
-            <a:picLocks noChangeAspect="1" noChangeArrowheads="1"/>
-          </p:cNvPicPr>
-          <p:nvPr userDrawn="1"/>
-        </p:nvPicPr>
-        <p:blipFill>
-          <a:blip r:embed="rId2" cstate="print">
-            <a:extLst>
-              <a:ext uri="{28A0092B-C50C-407E-A947-70E740481C1C}">
-                <a14:useLocalDpi xmlns:a14="http://schemas.microsoft.com/office/drawing/2010/main" val="0"/>
-              </a:ext>
-            </a:extLst>
-          </a:blip>
-          <a:srcRect/>
-          <a:stretch>
-            <a:fillRect/>
-          </a:stretch>
-        </p:blipFill>
-        <p:spPr bwMode="auto">
-          <a:xfrm>
-            <a:off x="7315200" y="6248400"/>
-            <a:ext cx="1828800" cy="609600"/>
-          </a:xfrm>
-          <a:prstGeom prst="rect">
-            <a:avLst/>
-          </a:prstGeom>
-          <a:noFill/>
-          <a:extLst>
-            <a:ext uri="{909E8E84-426E-40DD-AFC4-6F175D3DCCD1}">
-              <a14:hiddenFill xmlns:a14="http://schemas.microsoft.com/office/drawing/2010/main">
-                <a:solidFill>
-                  <a:srgbClr val="FFFFFF"/>
-                </a:solidFill>
-              </a14:hiddenFill>
-            </a:ext>
-          </a:extLst>
-        </p:spPr>
-      </p:pic>
-      <p:sp>
-        <p:nvSpPr>
-          <p:cNvPr id="8" name="Footer Placeholder 4"/>
-          <p:cNvSpPr>
-            <a:spLocks noGrp="1"/>
-          </p:cNvSpPr>
-          <p:nvPr>
-            <p:ph type="ftr" sz="quarter" idx="3"/>
-          </p:nvPr>
-        </p:nvSpPr>
-        <p:spPr>
-          <a:xfrm>
-            <a:off x="3028950" y="6356351"/>
-            <a:ext cx="3086100" cy="365125"/>
-          </a:xfrm>
-          <a:prstGeom prst="rect">
-            <a:avLst/>
-          </a:prstGeom>
-        </p:spPr>
-        <p:txBody>
-          <a:bodyPr vert="horz" lIns="91440" tIns="45720" rIns="91440" bIns="45720" rtlCol="0" anchor="ctr"/>
-          <a:lstStyle>
-            <a:lvl1pPr algn="ctr">
-              <a:defRPr sz="900">
-                <a:solidFill>
-                  <a:schemeClr val="tx1">
-                    <a:tint val="75000"/>
-                  </a:schemeClr>
-                </a:solidFill>
-              </a:defRPr>
-            </a:lvl1pPr>
-          </a:lstStyle>
-          <a:p>
-            <a:r>
-              <a:rPr lang="en-US" dirty="0"/>
-              <a:t>Kwartler </a:t>
-            </a:r>
-          </a:p>
-        </p:txBody>
-      </p:sp>
-    </p:spTree>
-    <p:extLst>
-      <p:ext uri="{BB962C8B-B14F-4D97-AF65-F5344CB8AC3E}">
-        <p14:creationId xmlns:p14="http://schemas.microsoft.com/office/powerpoint/2010/main" val="4163882044"/>
-      </p:ext>
-    </p:extLst>
-  </p:cSld>
-  <p:clrMapOvr>
-    <a:masterClrMapping/>
-  </p:clrMapOvr>
-</p:sldLayout>
-</file>
-
-<file path=ppt/slideLayouts/slideLayout10.xml><?xml version="1.0" encoding="utf-8"?>
-<p:sldLayout xmlns:a="http://schemas.openxmlformats.org/drawingml/2006/main" xmlns:r="http://schemas.openxmlformats.org/officeDocument/2006/relationships" xmlns:p="http://schemas.openxmlformats.org/presentationml/2006/main" preserve="1" userDrawn="1">
-  <p:cSld name="Title and Vertical Text">
-    <p:spTree>
-      <p:nvGrpSpPr>
-        <p:cNvPr id="1" name=""/>
-        <p:cNvGrpSpPr/>
-        <p:nvPr/>
-      </p:nvGrpSpPr>
-      <p:grpSpPr>
-        <a:xfrm>
-          <a:off x="0" y="0"/>
-          <a:ext cx="0" cy="0"/>
-          <a:chOff x="0" y="0"/>
-          <a:chExt cx="0" cy="0"/>
-        </a:xfrm>
-      </p:grpSpPr>
-      <p:sp>
-        <p:nvSpPr>
-          <p:cNvPr id="3" name="Vertical Text Placeholder 2"/>
-          <p:cNvSpPr>
-            <a:spLocks noGrp="1"/>
-          </p:cNvSpPr>
-          <p:nvPr>
-            <p:ph type="body" orient="vert" idx="1"/>
-          </p:nvPr>
-        </p:nvSpPr>
-        <p:spPr>
-          <a:xfrm>
-            <a:off x="628650" y="1080030"/>
-            <a:ext cx="7886700" cy="5120640"/>
-          </a:xfrm>
-        </p:spPr>
-        <p:txBody>
-          <a:bodyPr vert="eaVert"/>
-          <a:lstStyle/>
-          <a:p>
-            <a:pPr lvl="0"/>
-            <a:r>
-              <a:rPr lang="en-US"/>
-              <a:t>Click to edit Master text styles</a:t>
-            </a:r>
-          </a:p>
-          <a:p>
-            <a:pPr lvl="1"/>
-            <a:r>
-              <a:rPr lang="en-US"/>
-              <a:t>Second level</a:t>
-            </a:r>
-          </a:p>
-          <a:p>
-            <a:pPr lvl="2"/>
-            <a:r>
-              <a:rPr lang="en-US"/>
-              <a:t>Third level</a:t>
-            </a:r>
-          </a:p>
-          <a:p>
-            <a:pPr lvl="3"/>
-            <a:r>
-              <a:rPr lang="en-US"/>
-              <a:t>Fourth level</a:t>
-            </a:r>
-          </a:p>
-          <a:p>
-            <a:pPr lvl="4"/>
-            <a:r>
-              <a:rPr lang="en-US"/>
-              <a:t>Fifth level</a:t>
-            </a:r>
-          </a:p>
-        </p:txBody>
-      </p:sp>
-      <p:sp>
-        <p:nvSpPr>
-          <p:cNvPr id="4" name="Date Placeholder 3"/>
-          <p:cNvSpPr>
-            <a:spLocks noGrp="1"/>
-          </p:cNvSpPr>
-          <p:nvPr>
-            <p:ph type="dt" sz="half" idx="10"/>
-          </p:nvPr>
-        </p:nvSpPr>
-        <p:spPr/>
-        <p:txBody>
-          <a:bodyPr/>
-          <a:lstStyle/>
-          <a:p>
-            <a:fld id="{7B9EA29D-D431-42FE-B7B6-AAE4454C77D3}" type="datetime1">
-              <a:rPr lang="en-US" smtClean="0"/>
-              <a:t>3/4/24</a:t>
-            </a:fld>
-            <a:endParaRPr lang="en-US"/>
-          </a:p>
-        </p:txBody>
-      </p:sp>
-      <p:sp>
-        <p:nvSpPr>
-          <p:cNvPr id="5" name="Footer Placeholder 4"/>
-          <p:cNvSpPr>
-            <a:spLocks noGrp="1"/>
-          </p:cNvSpPr>
-          <p:nvPr>
-            <p:ph type="ftr" sz="quarter" idx="11"/>
-          </p:nvPr>
-        </p:nvSpPr>
-        <p:spPr/>
-        <p:txBody>
-          <a:bodyPr/>
-          <a:lstStyle/>
-          <a:p>
-            <a:r>
-              <a:rPr lang="en-US" dirty="0"/>
-              <a:t>Kwartler </a:t>
-            </a:r>
-          </a:p>
-        </p:txBody>
-      </p:sp>
-      <p:sp>
-        <p:nvSpPr>
-          <p:cNvPr id="7" name="Title 1"/>
+          <p:cNvPr id="6" name="Title 1"/>
           <p:cNvSpPr>
             <a:spLocks noGrp="1"/>
           </p:cNvSpPr>
@@ -1062,214 +639,6 @@
               <a:rPr lang="en-US"/>
               <a:t>Click to edit Master title style</a:t>
             </a:r>
-          </a:p>
-        </p:txBody>
-      </p:sp>
-      <p:sp>
-        <p:nvSpPr>
-          <p:cNvPr id="8" name="Slide Number Placeholder 5"/>
-          <p:cNvSpPr>
-            <a:spLocks noGrp="1"/>
-          </p:cNvSpPr>
-          <p:nvPr>
-            <p:ph type="sldNum" sz="quarter" idx="12"/>
-          </p:nvPr>
-        </p:nvSpPr>
-        <p:spPr>
-          <a:xfrm>
-            <a:off x="6457950" y="6356351"/>
-            <a:ext cx="857250" cy="365125"/>
-          </a:xfrm>
-        </p:spPr>
-        <p:txBody>
-          <a:bodyPr/>
-          <a:lstStyle/>
-          <a:p>
-            <a:fld id="{37290FF7-652B-4475-AEAB-8B1A5D23AE09}" type="slidenum">
-              <a:rPr lang="en-US" smtClean="0"/>
-              <a:t>‹#›</a:t>
-            </a:fld>
-            <a:endParaRPr lang="en-US"/>
-          </a:p>
-        </p:txBody>
-      </p:sp>
-      <p:pic>
-        <p:nvPicPr>
-          <p:cNvPr id="9" name="Picture 2" descr="Image result for harvard logo transparent"/>
-          <p:cNvPicPr>
-            <a:picLocks noChangeAspect="1" noChangeArrowheads="1"/>
-          </p:cNvPicPr>
-          <p:nvPr userDrawn="1"/>
-        </p:nvPicPr>
-        <p:blipFill>
-          <a:blip r:embed="rId2" cstate="print">
-            <a:extLst>
-              <a:ext uri="{28A0092B-C50C-407E-A947-70E740481C1C}">
-                <a14:useLocalDpi xmlns:a14="http://schemas.microsoft.com/office/drawing/2010/main" val="0"/>
-              </a:ext>
-            </a:extLst>
-          </a:blip>
-          <a:srcRect/>
-          <a:stretch>
-            <a:fillRect/>
-          </a:stretch>
-        </p:blipFill>
-        <p:spPr bwMode="auto">
-          <a:xfrm>
-            <a:off x="7315200" y="6248400"/>
-            <a:ext cx="1828800" cy="609600"/>
-          </a:xfrm>
-          <a:prstGeom prst="rect">
-            <a:avLst/>
-          </a:prstGeom>
-          <a:noFill/>
-          <a:extLst>
-            <a:ext uri="{909E8E84-426E-40DD-AFC4-6F175D3DCCD1}">
-              <a14:hiddenFill xmlns:a14="http://schemas.microsoft.com/office/drawing/2010/main">
-                <a:solidFill>
-                  <a:srgbClr val="FFFFFF"/>
-                </a:solidFill>
-              </a14:hiddenFill>
-            </a:ext>
-          </a:extLst>
-        </p:spPr>
-      </p:pic>
-    </p:spTree>
-    <p:extLst>
-      <p:ext uri="{BB962C8B-B14F-4D97-AF65-F5344CB8AC3E}">
-        <p14:creationId xmlns:p14="http://schemas.microsoft.com/office/powerpoint/2010/main" val="1606545730"/>
-      </p:ext>
-    </p:extLst>
-  </p:cSld>
-  <p:clrMapOvr>
-    <a:masterClrMapping/>
-  </p:clrMapOvr>
-</p:sldLayout>
-</file>
-
-<file path=ppt/slideLayouts/slideLayout11.xml><?xml version="1.0" encoding="utf-8"?>
-<p:sldLayout xmlns:a="http://schemas.openxmlformats.org/drawingml/2006/main" xmlns:r="http://schemas.openxmlformats.org/officeDocument/2006/relationships" xmlns:p="http://schemas.openxmlformats.org/presentationml/2006/main" type="vertTitleAndTx" preserve="1">
-  <p:cSld name="Vertical Title and Text">
-    <p:spTree>
-      <p:nvGrpSpPr>
-        <p:cNvPr id="1" name=""/>
-        <p:cNvGrpSpPr/>
-        <p:nvPr/>
-      </p:nvGrpSpPr>
-      <p:grpSpPr>
-        <a:xfrm>
-          <a:off x="0" y="0"/>
-          <a:ext cx="0" cy="0"/>
-          <a:chOff x="0" y="0"/>
-          <a:chExt cx="0" cy="0"/>
-        </a:xfrm>
-      </p:grpSpPr>
-      <p:sp>
-        <p:nvSpPr>
-          <p:cNvPr id="2" name="Vertical Title 1"/>
-          <p:cNvSpPr>
-            <a:spLocks noGrp="1"/>
-          </p:cNvSpPr>
-          <p:nvPr>
-            <p:ph type="title" orient="vert"/>
-          </p:nvPr>
-        </p:nvSpPr>
-        <p:spPr>
-          <a:xfrm>
-            <a:off x="6543675" y="1209821"/>
-            <a:ext cx="1971675" cy="4967141"/>
-          </a:xfrm>
-          <a:prstGeom prst="rect">
-            <a:avLst/>
-          </a:prstGeom>
-        </p:spPr>
-        <p:txBody>
-          <a:bodyPr vert="eaVert"/>
-          <a:lstStyle/>
-          <a:p>
-            <a:r>
-              <a:rPr lang="en-US"/>
-              <a:t>Click to edit Master title style</a:t>
-            </a:r>
-          </a:p>
-        </p:txBody>
-      </p:sp>
-      <p:sp>
-        <p:nvSpPr>
-          <p:cNvPr id="3" name="Vertical Text Placeholder 2"/>
-          <p:cNvSpPr>
-            <a:spLocks noGrp="1"/>
-          </p:cNvSpPr>
-          <p:nvPr>
-            <p:ph type="body" orient="vert" idx="1"/>
-          </p:nvPr>
-        </p:nvSpPr>
-        <p:spPr>
-          <a:xfrm>
-            <a:off x="628650" y="1223889"/>
-            <a:ext cx="5800725" cy="4953074"/>
-          </a:xfrm>
-        </p:spPr>
-        <p:txBody>
-          <a:bodyPr vert="eaVert"/>
-          <a:lstStyle/>
-          <a:p>
-            <a:pPr lvl="0"/>
-            <a:r>
-              <a:rPr lang="en-US" dirty="0"/>
-              <a:t>Click to edit Master text styles</a:t>
-            </a:r>
-          </a:p>
-          <a:p>
-            <a:pPr lvl="1"/>
-            <a:r>
-              <a:rPr lang="en-US" dirty="0"/>
-              <a:t>Second level</a:t>
-            </a:r>
-          </a:p>
-          <a:p>
-            <a:pPr lvl="2"/>
-            <a:r>
-              <a:rPr lang="en-US" dirty="0"/>
-              <a:t>Third level</a:t>
-            </a:r>
-          </a:p>
-          <a:p>
-            <a:pPr lvl="3"/>
-            <a:r>
-              <a:rPr lang="en-US" dirty="0"/>
-              <a:t>Fourth level</a:t>
-            </a:r>
-          </a:p>
-          <a:p>
-            <a:pPr lvl="4"/>
-            <a:r>
-              <a:rPr lang="en-US" dirty="0"/>
-              <a:t>Fifth level</a:t>
-            </a:r>
-          </a:p>
-        </p:txBody>
-      </p:sp>
-      <p:sp>
-        <p:nvSpPr>
-          <p:cNvPr id="4" name="Date Placeholder 3"/>
-          <p:cNvSpPr>
-            <a:spLocks noGrp="1"/>
-          </p:cNvSpPr>
-          <p:nvPr>
-            <p:ph type="dt" sz="half" idx="10"/>
-          </p:nvPr>
-        </p:nvSpPr>
-        <p:spPr/>
-        <p:txBody>
-          <a:bodyPr/>
-          <a:lstStyle/>
-          <a:p>
-            <a:fld id="{690D8A1E-EA8F-46C1-B891-AE0C00D9C314}" type="datetime1">
-              <a:rPr lang="en-US" smtClean="0"/>
-              <a:t>3/4/24</a:t>
-            </a:fld>
-            <a:endParaRPr lang="en-US"/>
           </a:p>
         </p:txBody>
       </p:sp>
@@ -1301,341 +670,6 @@
           </a:p>
         </p:txBody>
       </p:sp>
-      <p:pic>
-        <p:nvPicPr>
-          <p:cNvPr id="8" name="Picture 2" descr="Image result for harvard logo transparent"/>
-          <p:cNvPicPr>
-            <a:picLocks noChangeAspect="1" noChangeArrowheads="1"/>
-          </p:cNvPicPr>
-          <p:nvPr userDrawn="1"/>
-        </p:nvPicPr>
-        <p:blipFill>
-          <a:blip r:embed="rId2" cstate="print">
-            <a:extLst>
-              <a:ext uri="{28A0092B-C50C-407E-A947-70E740481C1C}">
-                <a14:useLocalDpi xmlns:a14="http://schemas.microsoft.com/office/drawing/2010/main" val="0"/>
-              </a:ext>
-            </a:extLst>
-          </a:blip>
-          <a:srcRect/>
-          <a:stretch>
-            <a:fillRect/>
-          </a:stretch>
-        </p:blipFill>
-        <p:spPr bwMode="auto">
-          <a:xfrm>
-            <a:off x="7315200" y="6248400"/>
-            <a:ext cx="1828800" cy="609600"/>
-          </a:xfrm>
-          <a:prstGeom prst="rect">
-            <a:avLst/>
-          </a:prstGeom>
-          <a:noFill/>
-          <a:extLst>
-            <a:ext uri="{909E8E84-426E-40DD-AFC4-6F175D3DCCD1}">
-              <a14:hiddenFill xmlns:a14="http://schemas.microsoft.com/office/drawing/2010/main">
-                <a:solidFill>
-                  <a:srgbClr val="FFFFFF"/>
-                </a:solidFill>
-              </a14:hiddenFill>
-            </a:ext>
-          </a:extLst>
-        </p:spPr>
-      </p:pic>
-      <p:sp>
-        <p:nvSpPr>
-          <p:cNvPr id="9" name="Title 1"/>
-          <p:cNvSpPr txBox="1">
-            <a:spLocks/>
-          </p:cNvSpPr>
-          <p:nvPr userDrawn="1"/>
-        </p:nvSpPr>
-        <p:spPr>
-          <a:xfrm>
-            <a:off x="628650" y="365126"/>
-            <a:ext cx="7886700" cy="591477"/>
-          </a:xfrm>
-          <a:prstGeom prst="rect">
-            <a:avLst/>
-          </a:prstGeom>
-        </p:spPr>
-        <p:txBody>
-          <a:bodyPr/>
-          <a:lstStyle>
-            <a:lvl1pPr algn="l" defTabSz="685800" rtl="0" eaLnBrk="1" latinLnBrk="0" hangingPunct="1">
-              <a:lnSpc>
-                <a:spcPct val="90000"/>
-              </a:lnSpc>
-              <a:spcBef>
-                <a:spcPct val="0"/>
-              </a:spcBef>
-              <a:buNone/>
-              <a:defRPr sz="3300" kern="1200">
-                <a:solidFill>
-                  <a:schemeClr val="tx1"/>
-                </a:solidFill>
-                <a:latin typeface="+mj-lt"/>
-                <a:ea typeface="+mj-ea"/>
-                <a:cs typeface="+mj-cs"/>
-              </a:defRPr>
-            </a:lvl1pPr>
-          </a:lstStyle>
-          <a:p>
-            <a:r>
-              <a:rPr lang="en-US"/>
-              <a:t>Click to edit Master title style</a:t>
-            </a:r>
-          </a:p>
-        </p:txBody>
-      </p:sp>
-      <p:sp>
-        <p:nvSpPr>
-          <p:cNvPr id="10" name="Footer Placeholder 4"/>
-          <p:cNvSpPr>
-            <a:spLocks noGrp="1"/>
-          </p:cNvSpPr>
-          <p:nvPr>
-            <p:ph type="ftr" sz="quarter" idx="3"/>
-          </p:nvPr>
-        </p:nvSpPr>
-        <p:spPr>
-          <a:xfrm>
-            <a:off x="3028950" y="6356351"/>
-            <a:ext cx="3086100" cy="365125"/>
-          </a:xfrm>
-          <a:prstGeom prst="rect">
-            <a:avLst/>
-          </a:prstGeom>
-        </p:spPr>
-        <p:txBody>
-          <a:bodyPr vert="horz" lIns="91440" tIns="45720" rIns="91440" bIns="45720" rtlCol="0" anchor="ctr"/>
-          <a:lstStyle>
-            <a:lvl1pPr algn="ctr">
-              <a:defRPr sz="900">
-                <a:solidFill>
-                  <a:schemeClr val="tx1">
-                    <a:tint val="75000"/>
-                  </a:schemeClr>
-                </a:solidFill>
-              </a:defRPr>
-            </a:lvl1pPr>
-          </a:lstStyle>
-          <a:p>
-            <a:r>
-              <a:rPr lang="en-US" dirty="0"/>
-              <a:t>Kwartler </a:t>
-            </a:r>
-          </a:p>
-        </p:txBody>
-      </p:sp>
-    </p:spTree>
-    <p:extLst>
-      <p:ext uri="{BB962C8B-B14F-4D97-AF65-F5344CB8AC3E}">
-        <p14:creationId xmlns:p14="http://schemas.microsoft.com/office/powerpoint/2010/main" val="3256828068"/>
-      </p:ext>
-    </p:extLst>
-  </p:cSld>
-  <p:clrMapOvr>
-    <a:masterClrMapping/>
-  </p:clrMapOvr>
-</p:sldLayout>
-</file>
-
-<file path=ppt/slideLayouts/slideLayout2.xml><?xml version="1.0" encoding="utf-8"?>
-<p:sldLayout xmlns:a="http://schemas.openxmlformats.org/drawingml/2006/main" xmlns:r="http://schemas.openxmlformats.org/officeDocument/2006/relationships" xmlns:p="http://schemas.openxmlformats.org/presentationml/2006/main" type="obj" preserve="1">
-  <p:cSld name="Title and Content">
-    <p:spTree>
-      <p:nvGrpSpPr>
-        <p:cNvPr id="1" name=""/>
-        <p:cNvGrpSpPr/>
-        <p:nvPr/>
-      </p:nvGrpSpPr>
-      <p:grpSpPr>
-        <a:xfrm>
-          <a:off x="0" y="0"/>
-          <a:ext cx="0" cy="0"/>
-          <a:chOff x="0" y="0"/>
-          <a:chExt cx="0" cy="0"/>
-        </a:xfrm>
-      </p:grpSpPr>
-      <p:sp>
-        <p:nvSpPr>
-          <p:cNvPr id="2" name="Title 1"/>
-          <p:cNvSpPr>
-            <a:spLocks noGrp="1"/>
-          </p:cNvSpPr>
-          <p:nvPr>
-            <p:ph type="title"/>
-          </p:nvPr>
-        </p:nvSpPr>
-        <p:spPr>
-          <a:xfrm>
-            <a:off x="628650" y="365126"/>
-            <a:ext cx="7886700" cy="591477"/>
-          </a:xfrm>
-          <a:prstGeom prst="rect">
-            <a:avLst/>
-          </a:prstGeom>
-        </p:spPr>
-        <p:txBody>
-          <a:bodyPr/>
-          <a:lstStyle/>
-          <a:p>
-            <a:r>
-              <a:rPr lang="en-US"/>
-              <a:t>Click to edit Master title style</a:t>
-            </a:r>
-          </a:p>
-        </p:txBody>
-      </p:sp>
-      <p:sp>
-        <p:nvSpPr>
-          <p:cNvPr id="3" name="Content Placeholder 2"/>
-          <p:cNvSpPr>
-            <a:spLocks noGrp="1"/>
-          </p:cNvSpPr>
-          <p:nvPr>
-            <p:ph idx="1"/>
-          </p:nvPr>
-        </p:nvSpPr>
-        <p:spPr>
-          <a:xfrm>
-            <a:off x="628650" y="1111347"/>
-            <a:ext cx="7886700" cy="5120640"/>
-          </a:xfrm>
-        </p:spPr>
-        <p:txBody>
-          <a:bodyPr/>
-          <a:lstStyle/>
-          <a:p>
-            <a:pPr lvl="0"/>
-            <a:r>
-              <a:rPr lang="en-US"/>
-              <a:t>Click to edit Master text styles</a:t>
-            </a:r>
-          </a:p>
-          <a:p>
-            <a:pPr lvl="1"/>
-            <a:r>
-              <a:rPr lang="en-US"/>
-              <a:t>Second level</a:t>
-            </a:r>
-          </a:p>
-          <a:p>
-            <a:pPr lvl="2"/>
-            <a:r>
-              <a:rPr lang="en-US"/>
-              <a:t>Third level</a:t>
-            </a:r>
-          </a:p>
-          <a:p>
-            <a:pPr lvl="3"/>
-            <a:r>
-              <a:rPr lang="en-US"/>
-              <a:t>Fourth level</a:t>
-            </a:r>
-          </a:p>
-          <a:p>
-            <a:pPr lvl="4"/>
-            <a:r>
-              <a:rPr lang="en-US"/>
-              <a:t>Fifth level</a:t>
-            </a:r>
-          </a:p>
-        </p:txBody>
-      </p:sp>
-      <p:sp>
-        <p:nvSpPr>
-          <p:cNvPr id="4" name="Date Placeholder 3"/>
-          <p:cNvSpPr>
-            <a:spLocks noGrp="1"/>
-          </p:cNvSpPr>
-          <p:nvPr>
-            <p:ph type="dt" sz="half" idx="10"/>
-          </p:nvPr>
-        </p:nvSpPr>
-        <p:spPr/>
-        <p:txBody>
-          <a:bodyPr/>
-          <a:lstStyle/>
-          <a:p>
-            <a:fld id="{D753EFC8-4232-4598-94F6-94C0EBAFC469}" type="datetime1">
-              <a:rPr lang="en-US" smtClean="0"/>
-              <a:t>3/4/24</a:t>
-            </a:fld>
-            <a:endParaRPr lang="en-US"/>
-          </a:p>
-        </p:txBody>
-      </p:sp>
-      <p:sp>
-        <p:nvSpPr>
-          <p:cNvPr id="7" name="Slide Number Placeholder 5"/>
-          <p:cNvSpPr>
-            <a:spLocks noGrp="1"/>
-          </p:cNvSpPr>
-          <p:nvPr>
-            <p:ph type="sldNum" sz="quarter" idx="12"/>
-          </p:nvPr>
-        </p:nvSpPr>
-        <p:spPr>
-          <a:xfrm>
-            <a:off x="6457950" y="6356351"/>
-            <a:ext cx="857250" cy="365125"/>
-          </a:xfrm>
-        </p:spPr>
-        <p:txBody>
-          <a:bodyPr/>
-          <a:lstStyle/>
-          <a:p>
-            <a:fld id="{37290FF7-652B-4475-AEAB-8B1A5D23AE09}" type="slidenum">
-              <a:rPr lang="en-US" smtClean="0"/>
-              <a:t>‹#›</a:t>
-            </a:fld>
-            <a:endParaRPr lang="en-US"/>
-          </a:p>
-        </p:txBody>
-      </p:sp>
-      <p:pic>
-        <p:nvPicPr>
-          <p:cNvPr id="8" name="Picture 2" descr="Image result for harvard logo transparent"/>
-          <p:cNvPicPr>
-            <a:picLocks noChangeAspect="1" noChangeArrowheads="1"/>
-          </p:cNvPicPr>
-          <p:nvPr userDrawn="1"/>
-        </p:nvPicPr>
-        <p:blipFill>
-          <a:blip r:embed="rId2" cstate="print">
-            <a:extLst>
-              <a:ext uri="{28A0092B-C50C-407E-A947-70E740481C1C}">
-                <a14:useLocalDpi xmlns:a14="http://schemas.microsoft.com/office/drawing/2010/main" val="0"/>
-              </a:ext>
-            </a:extLst>
-          </a:blip>
-          <a:srcRect/>
-          <a:stretch>
-            <a:fillRect/>
-          </a:stretch>
-        </p:blipFill>
-        <p:spPr bwMode="auto">
-          <a:xfrm>
-            <a:off x="7315200" y="6248400"/>
-            <a:ext cx="1828800" cy="609600"/>
-          </a:xfrm>
-          <a:prstGeom prst="rect">
-            <a:avLst/>
-          </a:prstGeom>
-          <a:noFill/>
-          <a:extLst>
-            <a:ext uri="{909E8E84-426E-40DD-AFC4-6F175D3DCCD1}">
-              <a14:hiddenFill xmlns:a14="http://schemas.microsoft.com/office/drawing/2010/main">
-                <a:solidFill>
-                  <a:srgbClr val="FFFFFF"/>
-                </a:solidFill>
-              </a14:hiddenFill>
-            </a:ext>
-          </a:extLst>
-        </p:spPr>
-      </p:pic>
       <p:sp>
         <p:nvSpPr>
           <p:cNvPr id="9" name="Footer Placeholder 4"/>
@@ -1679,2055 +713,7 @@
     </p:spTree>
     <p:extLst>
       <p:ext uri="{BB962C8B-B14F-4D97-AF65-F5344CB8AC3E}">
-        <p14:creationId xmlns:p14="http://schemas.microsoft.com/office/powerpoint/2010/main" val="436896522"/>
-      </p:ext>
-    </p:extLst>
-  </p:cSld>
-  <p:clrMapOvr>
-    <a:masterClrMapping/>
-  </p:clrMapOvr>
-</p:sldLayout>
-</file>
-
-<file path=ppt/slideLayouts/slideLayout3.xml><?xml version="1.0" encoding="utf-8"?>
-<p:sldLayout xmlns:a="http://schemas.openxmlformats.org/drawingml/2006/main" xmlns:r="http://schemas.openxmlformats.org/officeDocument/2006/relationships" xmlns:p="http://schemas.openxmlformats.org/presentationml/2006/main" type="secHead" preserve="1">
-  <p:cSld name="Section Header">
-    <p:spTree>
-      <p:nvGrpSpPr>
-        <p:cNvPr id="1" name=""/>
-        <p:cNvGrpSpPr/>
-        <p:nvPr/>
-      </p:nvGrpSpPr>
-      <p:grpSpPr>
-        <a:xfrm>
-          <a:off x="0" y="0"/>
-          <a:ext cx="0" cy="0"/>
-          <a:chOff x="0" y="0"/>
-          <a:chExt cx="0" cy="0"/>
-        </a:xfrm>
-      </p:grpSpPr>
-      <p:sp>
-        <p:nvSpPr>
-          <p:cNvPr id="2" name="Title 1"/>
-          <p:cNvSpPr>
-            <a:spLocks noGrp="1"/>
-          </p:cNvSpPr>
-          <p:nvPr>
-            <p:ph type="title"/>
-          </p:nvPr>
-        </p:nvSpPr>
-        <p:spPr>
-          <a:xfrm>
-            <a:off x="623888" y="1709739"/>
-            <a:ext cx="7886700" cy="2852737"/>
-          </a:xfrm>
-          <a:prstGeom prst="rect">
-            <a:avLst/>
-          </a:prstGeom>
-        </p:spPr>
-        <p:txBody>
-          <a:bodyPr anchor="b"/>
-          <a:lstStyle>
-            <a:lvl1pPr>
-              <a:defRPr sz="4500"/>
-            </a:lvl1pPr>
-          </a:lstStyle>
-          <a:p>
-            <a:r>
-              <a:rPr lang="en-US"/>
-              <a:t>Click to edit Master title style</a:t>
-            </a:r>
-          </a:p>
-        </p:txBody>
-      </p:sp>
-      <p:sp>
-        <p:nvSpPr>
-          <p:cNvPr id="3" name="Text Placeholder 2"/>
-          <p:cNvSpPr>
-            <a:spLocks noGrp="1"/>
-          </p:cNvSpPr>
-          <p:nvPr>
-            <p:ph type="body" idx="1"/>
-          </p:nvPr>
-        </p:nvSpPr>
-        <p:spPr>
-          <a:xfrm>
-            <a:off x="623888" y="4589464"/>
-            <a:ext cx="7886700" cy="1500187"/>
-          </a:xfrm>
-        </p:spPr>
-        <p:txBody>
-          <a:bodyPr/>
-          <a:lstStyle>
-            <a:lvl1pPr marL="0" indent="0">
-              <a:buNone/>
-              <a:defRPr sz="1800">
-                <a:solidFill>
-                  <a:schemeClr val="tx1">
-                    <a:tint val="75000"/>
-                  </a:schemeClr>
-                </a:solidFill>
-              </a:defRPr>
-            </a:lvl1pPr>
-            <a:lvl2pPr marL="342900" indent="0">
-              <a:buNone/>
-              <a:defRPr sz="1500">
-                <a:solidFill>
-                  <a:schemeClr val="tx1">
-                    <a:tint val="75000"/>
-                  </a:schemeClr>
-                </a:solidFill>
-              </a:defRPr>
-            </a:lvl2pPr>
-            <a:lvl3pPr marL="685800" indent="0">
-              <a:buNone/>
-              <a:defRPr sz="1350">
-                <a:solidFill>
-                  <a:schemeClr val="tx1">
-                    <a:tint val="75000"/>
-                  </a:schemeClr>
-                </a:solidFill>
-              </a:defRPr>
-            </a:lvl3pPr>
-            <a:lvl4pPr marL="1028700" indent="0">
-              <a:buNone/>
-              <a:defRPr sz="1200">
-                <a:solidFill>
-                  <a:schemeClr val="tx1">
-                    <a:tint val="75000"/>
-                  </a:schemeClr>
-                </a:solidFill>
-              </a:defRPr>
-            </a:lvl4pPr>
-            <a:lvl5pPr marL="1371600" indent="0">
-              <a:buNone/>
-              <a:defRPr sz="1200">
-                <a:solidFill>
-                  <a:schemeClr val="tx1">
-                    <a:tint val="75000"/>
-                  </a:schemeClr>
-                </a:solidFill>
-              </a:defRPr>
-            </a:lvl5pPr>
-            <a:lvl6pPr marL="1714500" indent="0">
-              <a:buNone/>
-              <a:defRPr sz="1200">
-                <a:solidFill>
-                  <a:schemeClr val="tx1">
-                    <a:tint val="75000"/>
-                  </a:schemeClr>
-                </a:solidFill>
-              </a:defRPr>
-            </a:lvl6pPr>
-            <a:lvl7pPr marL="2057400" indent="0">
-              <a:buNone/>
-              <a:defRPr sz="1200">
-                <a:solidFill>
-                  <a:schemeClr val="tx1">
-                    <a:tint val="75000"/>
-                  </a:schemeClr>
-                </a:solidFill>
-              </a:defRPr>
-            </a:lvl7pPr>
-            <a:lvl8pPr marL="2400300" indent="0">
-              <a:buNone/>
-              <a:defRPr sz="1200">
-                <a:solidFill>
-                  <a:schemeClr val="tx1">
-                    <a:tint val="75000"/>
-                  </a:schemeClr>
-                </a:solidFill>
-              </a:defRPr>
-            </a:lvl8pPr>
-            <a:lvl9pPr marL="2743200" indent="0">
-              <a:buNone/>
-              <a:defRPr sz="1200">
-                <a:solidFill>
-                  <a:schemeClr val="tx1">
-                    <a:tint val="75000"/>
-                  </a:schemeClr>
-                </a:solidFill>
-              </a:defRPr>
-            </a:lvl9pPr>
-          </a:lstStyle>
-          <a:p>
-            <a:pPr lvl="0"/>
-            <a:r>
-              <a:rPr lang="en-US"/>
-              <a:t>Click to edit Master text styles</a:t>
-            </a:r>
-          </a:p>
-        </p:txBody>
-      </p:sp>
-      <p:sp>
-        <p:nvSpPr>
-          <p:cNvPr id="4" name="Date Placeholder 3"/>
-          <p:cNvSpPr>
-            <a:spLocks noGrp="1"/>
-          </p:cNvSpPr>
-          <p:nvPr>
-            <p:ph type="dt" sz="half" idx="10"/>
-          </p:nvPr>
-        </p:nvSpPr>
-        <p:spPr/>
-        <p:txBody>
-          <a:bodyPr/>
-          <a:lstStyle/>
-          <a:p>
-            <a:fld id="{F3161074-1C18-4AE7-957D-F18524378C85}" type="datetime1">
-              <a:rPr lang="en-US" smtClean="0"/>
-              <a:t>3/4/24</a:t>
-            </a:fld>
-            <a:endParaRPr lang="en-US"/>
-          </a:p>
-        </p:txBody>
-      </p:sp>
-      <p:sp>
-        <p:nvSpPr>
-          <p:cNvPr id="7" name="Slide Number Placeholder 5"/>
-          <p:cNvSpPr>
-            <a:spLocks noGrp="1"/>
-          </p:cNvSpPr>
-          <p:nvPr>
-            <p:ph type="sldNum" sz="quarter" idx="12"/>
-          </p:nvPr>
-        </p:nvSpPr>
-        <p:spPr>
-          <a:xfrm>
-            <a:off x="6457950" y="6356351"/>
-            <a:ext cx="857250" cy="365125"/>
-          </a:xfrm>
-        </p:spPr>
-        <p:txBody>
-          <a:bodyPr/>
-          <a:lstStyle/>
-          <a:p>
-            <a:fld id="{37290FF7-652B-4475-AEAB-8B1A5D23AE09}" type="slidenum">
-              <a:rPr lang="en-US" smtClean="0"/>
-              <a:t>‹#›</a:t>
-            </a:fld>
-            <a:endParaRPr lang="en-US"/>
-          </a:p>
-        </p:txBody>
-      </p:sp>
-      <p:pic>
-        <p:nvPicPr>
-          <p:cNvPr id="8" name="Picture 2" descr="Image result for harvard logo transparent"/>
-          <p:cNvPicPr>
-            <a:picLocks noChangeAspect="1" noChangeArrowheads="1"/>
-          </p:cNvPicPr>
-          <p:nvPr userDrawn="1"/>
-        </p:nvPicPr>
-        <p:blipFill>
-          <a:blip r:embed="rId2" cstate="print">
-            <a:extLst>
-              <a:ext uri="{28A0092B-C50C-407E-A947-70E740481C1C}">
-                <a14:useLocalDpi xmlns:a14="http://schemas.microsoft.com/office/drawing/2010/main" val="0"/>
-              </a:ext>
-            </a:extLst>
-          </a:blip>
-          <a:srcRect/>
-          <a:stretch>
-            <a:fillRect/>
-          </a:stretch>
-        </p:blipFill>
-        <p:spPr bwMode="auto">
-          <a:xfrm>
-            <a:off x="7315200" y="6248400"/>
-            <a:ext cx="1828800" cy="609600"/>
-          </a:xfrm>
-          <a:prstGeom prst="rect">
-            <a:avLst/>
-          </a:prstGeom>
-          <a:noFill/>
-          <a:extLst>
-            <a:ext uri="{909E8E84-426E-40DD-AFC4-6F175D3DCCD1}">
-              <a14:hiddenFill xmlns:a14="http://schemas.microsoft.com/office/drawing/2010/main">
-                <a:solidFill>
-                  <a:srgbClr val="FFFFFF"/>
-                </a:solidFill>
-              </a14:hiddenFill>
-            </a:ext>
-          </a:extLst>
-        </p:spPr>
-      </p:pic>
-      <p:sp>
-        <p:nvSpPr>
-          <p:cNvPr id="9" name="Footer Placeholder 4"/>
-          <p:cNvSpPr>
-            <a:spLocks noGrp="1"/>
-          </p:cNvSpPr>
-          <p:nvPr>
-            <p:ph type="ftr" sz="quarter" idx="3"/>
-          </p:nvPr>
-        </p:nvSpPr>
-        <p:spPr>
-          <a:xfrm>
-            <a:off x="3028950" y="6356351"/>
-            <a:ext cx="3086100" cy="365125"/>
-          </a:xfrm>
-          <a:prstGeom prst="rect">
-            <a:avLst/>
-          </a:prstGeom>
-        </p:spPr>
-        <p:txBody>
-          <a:bodyPr vert="horz" lIns="91440" tIns="45720" rIns="91440" bIns="45720" rtlCol="0" anchor="ctr"/>
-          <a:lstStyle>
-            <a:lvl1pPr algn="ctr">
-              <a:defRPr sz="900">
-                <a:solidFill>
-                  <a:schemeClr val="tx1">
-                    <a:tint val="75000"/>
-                  </a:schemeClr>
-                </a:solidFill>
-              </a:defRPr>
-            </a:lvl1pPr>
-          </a:lstStyle>
-          <a:p>
-            <a:r>
-              <a:rPr lang="en-US" dirty="0"/>
-              <a:t>Kwartler </a:t>
-            </a:r>
-          </a:p>
-        </p:txBody>
-      </p:sp>
-    </p:spTree>
-    <p:extLst>
-      <p:ext uri="{BB962C8B-B14F-4D97-AF65-F5344CB8AC3E}">
-        <p14:creationId xmlns:p14="http://schemas.microsoft.com/office/powerpoint/2010/main" val="209145522"/>
-      </p:ext>
-    </p:extLst>
-  </p:cSld>
-  <p:clrMapOvr>
-    <a:masterClrMapping/>
-  </p:clrMapOvr>
-</p:sldLayout>
-</file>
-
-<file path=ppt/slideLayouts/slideLayout4.xml><?xml version="1.0" encoding="utf-8"?>
-<p:sldLayout xmlns:a="http://schemas.openxmlformats.org/drawingml/2006/main" xmlns:r="http://schemas.openxmlformats.org/officeDocument/2006/relationships" xmlns:p="http://schemas.openxmlformats.org/presentationml/2006/main" preserve="1" userDrawn="1">
-  <p:cSld name="Two Content">
-    <p:spTree>
-      <p:nvGrpSpPr>
-        <p:cNvPr id="1" name=""/>
-        <p:cNvGrpSpPr/>
-        <p:nvPr/>
-      </p:nvGrpSpPr>
-      <p:grpSpPr>
-        <a:xfrm>
-          <a:off x="0" y="0"/>
-          <a:ext cx="0" cy="0"/>
-          <a:chOff x="0" y="0"/>
-          <a:chExt cx="0" cy="0"/>
-        </a:xfrm>
-      </p:grpSpPr>
-      <p:sp>
-        <p:nvSpPr>
-          <p:cNvPr id="3" name="Content Placeholder 2"/>
-          <p:cNvSpPr>
-            <a:spLocks noGrp="1"/>
-          </p:cNvSpPr>
-          <p:nvPr>
-            <p:ph sz="half" idx="1"/>
-          </p:nvPr>
-        </p:nvSpPr>
-        <p:spPr>
-          <a:xfrm>
-            <a:off x="628650" y="1192583"/>
-            <a:ext cx="3886200" cy="4969065"/>
-          </a:xfrm>
-        </p:spPr>
-        <p:txBody>
-          <a:bodyPr/>
-          <a:lstStyle/>
-          <a:p>
-            <a:pPr lvl="0"/>
-            <a:r>
-              <a:rPr lang="en-US"/>
-              <a:t>Click to edit Master text styles</a:t>
-            </a:r>
-          </a:p>
-          <a:p>
-            <a:pPr lvl="1"/>
-            <a:r>
-              <a:rPr lang="en-US"/>
-              <a:t>Second level</a:t>
-            </a:r>
-          </a:p>
-          <a:p>
-            <a:pPr lvl="2"/>
-            <a:r>
-              <a:rPr lang="en-US"/>
-              <a:t>Third level</a:t>
-            </a:r>
-          </a:p>
-          <a:p>
-            <a:pPr lvl="3"/>
-            <a:r>
-              <a:rPr lang="en-US"/>
-              <a:t>Fourth level</a:t>
-            </a:r>
-          </a:p>
-          <a:p>
-            <a:pPr lvl="4"/>
-            <a:r>
-              <a:rPr lang="en-US"/>
-              <a:t>Fifth level</a:t>
-            </a:r>
-          </a:p>
-        </p:txBody>
-      </p:sp>
-      <p:sp>
-        <p:nvSpPr>
-          <p:cNvPr id="4" name="Content Placeholder 3"/>
-          <p:cNvSpPr>
-            <a:spLocks noGrp="1"/>
-          </p:cNvSpPr>
-          <p:nvPr>
-            <p:ph sz="half" idx="2"/>
-          </p:nvPr>
-        </p:nvSpPr>
-        <p:spPr>
-          <a:xfrm>
-            <a:off x="4629150" y="1192583"/>
-            <a:ext cx="3886200" cy="4969065"/>
-          </a:xfrm>
-        </p:spPr>
-        <p:txBody>
-          <a:bodyPr/>
-          <a:lstStyle/>
-          <a:p>
-            <a:pPr lvl="0"/>
-            <a:r>
-              <a:rPr lang="en-US"/>
-              <a:t>Click to edit Master text styles</a:t>
-            </a:r>
-          </a:p>
-          <a:p>
-            <a:pPr lvl="1"/>
-            <a:r>
-              <a:rPr lang="en-US"/>
-              <a:t>Second level</a:t>
-            </a:r>
-          </a:p>
-          <a:p>
-            <a:pPr lvl="2"/>
-            <a:r>
-              <a:rPr lang="en-US"/>
-              <a:t>Third level</a:t>
-            </a:r>
-          </a:p>
-          <a:p>
-            <a:pPr lvl="3"/>
-            <a:r>
-              <a:rPr lang="en-US"/>
-              <a:t>Fourth level</a:t>
-            </a:r>
-          </a:p>
-          <a:p>
-            <a:pPr lvl="4"/>
-            <a:r>
-              <a:rPr lang="en-US"/>
-              <a:t>Fifth level</a:t>
-            </a:r>
-          </a:p>
-        </p:txBody>
-      </p:sp>
-      <p:sp>
-        <p:nvSpPr>
-          <p:cNvPr id="5" name="Date Placeholder 4"/>
-          <p:cNvSpPr>
-            <a:spLocks noGrp="1"/>
-          </p:cNvSpPr>
-          <p:nvPr>
-            <p:ph type="dt" sz="half" idx="10"/>
-          </p:nvPr>
-        </p:nvSpPr>
-        <p:spPr/>
-        <p:txBody>
-          <a:bodyPr/>
-          <a:lstStyle/>
-          <a:p>
-            <a:fld id="{69BE256C-8D9A-4404-B47D-41A1AE514425}" type="datetime1">
-              <a:rPr lang="en-US" smtClean="0"/>
-              <a:t>3/4/24</a:t>
-            </a:fld>
-            <a:endParaRPr lang="en-US"/>
-          </a:p>
-        </p:txBody>
-      </p:sp>
-      <p:sp>
-        <p:nvSpPr>
-          <p:cNvPr id="8" name="Title 1"/>
-          <p:cNvSpPr>
-            <a:spLocks noGrp="1"/>
-          </p:cNvSpPr>
-          <p:nvPr>
-            <p:ph type="title"/>
-          </p:nvPr>
-        </p:nvSpPr>
-        <p:spPr>
-          <a:xfrm>
-            <a:off x="628650" y="365126"/>
-            <a:ext cx="7886700" cy="591477"/>
-          </a:xfrm>
-          <a:prstGeom prst="rect">
-            <a:avLst/>
-          </a:prstGeom>
-        </p:spPr>
-        <p:txBody>
-          <a:bodyPr/>
-          <a:lstStyle/>
-          <a:p>
-            <a:r>
-              <a:rPr lang="en-US"/>
-              <a:t>Click to edit Master title style</a:t>
-            </a:r>
-          </a:p>
-        </p:txBody>
-      </p:sp>
-      <p:sp>
-        <p:nvSpPr>
-          <p:cNvPr id="9" name="Slide Number Placeholder 5"/>
-          <p:cNvSpPr>
-            <a:spLocks noGrp="1"/>
-          </p:cNvSpPr>
-          <p:nvPr>
-            <p:ph type="sldNum" sz="quarter" idx="12"/>
-          </p:nvPr>
-        </p:nvSpPr>
-        <p:spPr>
-          <a:xfrm>
-            <a:off x="6457950" y="6356351"/>
-            <a:ext cx="857250" cy="365125"/>
-          </a:xfrm>
-        </p:spPr>
-        <p:txBody>
-          <a:bodyPr/>
-          <a:lstStyle/>
-          <a:p>
-            <a:fld id="{37290FF7-652B-4475-AEAB-8B1A5D23AE09}" type="slidenum">
-              <a:rPr lang="en-US" smtClean="0"/>
-              <a:t>‹#›</a:t>
-            </a:fld>
-            <a:endParaRPr lang="en-US"/>
-          </a:p>
-        </p:txBody>
-      </p:sp>
-      <p:pic>
-        <p:nvPicPr>
-          <p:cNvPr id="10" name="Picture 2" descr="Image result for harvard logo transparent"/>
-          <p:cNvPicPr>
-            <a:picLocks noChangeAspect="1" noChangeArrowheads="1"/>
-          </p:cNvPicPr>
-          <p:nvPr userDrawn="1"/>
-        </p:nvPicPr>
-        <p:blipFill>
-          <a:blip r:embed="rId2" cstate="print">
-            <a:extLst>
-              <a:ext uri="{28A0092B-C50C-407E-A947-70E740481C1C}">
-                <a14:useLocalDpi xmlns:a14="http://schemas.microsoft.com/office/drawing/2010/main" val="0"/>
-              </a:ext>
-            </a:extLst>
-          </a:blip>
-          <a:srcRect/>
-          <a:stretch>
-            <a:fillRect/>
-          </a:stretch>
-        </p:blipFill>
-        <p:spPr bwMode="auto">
-          <a:xfrm>
-            <a:off x="7315200" y="6248400"/>
-            <a:ext cx="1828800" cy="609600"/>
-          </a:xfrm>
-          <a:prstGeom prst="rect">
-            <a:avLst/>
-          </a:prstGeom>
-          <a:noFill/>
-          <a:extLst>
-            <a:ext uri="{909E8E84-426E-40DD-AFC4-6F175D3DCCD1}">
-              <a14:hiddenFill xmlns:a14="http://schemas.microsoft.com/office/drawing/2010/main">
-                <a:solidFill>
-                  <a:srgbClr val="FFFFFF"/>
-                </a:solidFill>
-              </a14:hiddenFill>
-            </a:ext>
-          </a:extLst>
-        </p:spPr>
-      </p:pic>
-      <p:sp>
-        <p:nvSpPr>
-          <p:cNvPr id="11" name="Footer Placeholder 4"/>
-          <p:cNvSpPr>
-            <a:spLocks noGrp="1"/>
-          </p:cNvSpPr>
-          <p:nvPr>
-            <p:ph type="ftr" sz="quarter" idx="3"/>
-          </p:nvPr>
-        </p:nvSpPr>
-        <p:spPr>
-          <a:xfrm>
-            <a:off x="3028950" y="6356351"/>
-            <a:ext cx="3086100" cy="365125"/>
-          </a:xfrm>
-          <a:prstGeom prst="rect">
-            <a:avLst/>
-          </a:prstGeom>
-        </p:spPr>
-        <p:txBody>
-          <a:bodyPr vert="horz" lIns="91440" tIns="45720" rIns="91440" bIns="45720" rtlCol="0" anchor="ctr"/>
-          <a:lstStyle>
-            <a:lvl1pPr algn="ctr">
-              <a:defRPr sz="900">
-                <a:solidFill>
-                  <a:schemeClr val="tx1">
-                    <a:tint val="75000"/>
-                  </a:schemeClr>
-                </a:solidFill>
-              </a:defRPr>
-            </a:lvl1pPr>
-          </a:lstStyle>
-          <a:p>
-            <a:r>
-              <a:rPr lang="en-US" dirty="0"/>
-              <a:t>Kwartler </a:t>
-            </a:r>
-          </a:p>
-        </p:txBody>
-      </p:sp>
-    </p:spTree>
-    <p:extLst>
-      <p:ext uri="{BB962C8B-B14F-4D97-AF65-F5344CB8AC3E}">
-        <p14:creationId xmlns:p14="http://schemas.microsoft.com/office/powerpoint/2010/main" val="790321113"/>
-      </p:ext>
-    </p:extLst>
-  </p:cSld>
-  <p:clrMapOvr>
-    <a:masterClrMapping/>
-  </p:clrMapOvr>
-</p:sldLayout>
-</file>
-
-<file path=ppt/slideLayouts/slideLayout5.xml><?xml version="1.0" encoding="utf-8"?>
-<p:sldLayout xmlns:a="http://schemas.openxmlformats.org/drawingml/2006/main" xmlns:r="http://schemas.openxmlformats.org/officeDocument/2006/relationships" xmlns:p="http://schemas.openxmlformats.org/presentationml/2006/main" preserve="1" userDrawn="1">
-  <p:cSld name="Comparison">
-    <p:spTree>
-      <p:nvGrpSpPr>
-        <p:cNvPr id="1" name=""/>
-        <p:cNvGrpSpPr/>
-        <p:nvPr/>
-      </p:nvGrpSpPr>
-      <p:grpSpPr>
-        <a:xfrm>
-          <a:off x="0" y="0"/>
-          <a:ext cx="0" cy="0"/>
-          <a:chOff x="0" y="0"/>
-          <a:chExt cx="0" cy="0"/>
-        </a:xfrm>
-      </p:grpSpPr>
-      <p:sp>
-        <p:nvSpPr>
-          <p:cNvPr id="3" name="Text Placeholder 2"/>
-          <p:cNvSpPr>
-            <a:spLocks noGrp="1"/>
-          </p:cNvSpPr>
-          <p:nvPr>
-            <p:ph type="body" idx="1"/>
-          </p:nvPr>
-        </p:nvSpPr>
-        <p:spPr>
-          <a:xfrm>
-            <a:off x="629842" y="1132519"/>
-            <a:ext cx="3868340" cy="823912"/>
-          </a:xfrm>
-        </p:spPr>
-        <p:txBody>
-          <a:bodyPr anchor="b"/>
-          <a:lstStyle>
-            <a:lvl1pPr marL="0" indent="0">
-              <a:buNone/>
-              <a:defRPr sz="1800" b="1"/>
-            </a:lvl1pPr>
-            <a:lvl2pPr marL="342900" indent="0">
-              <a:buNone/>
-              <a:defRPr sz="1500" b="1"/>
-            </a:lvl2pPr>
-            <a:lvl3pPr marL="685800" indent="0">
-              <a:buNone/>
-              <a:defRPr sz="1350" b="1"/>
-            </a:lvl3pPr>
-            <a:lvl4pPr marL="1028700" indent="0">
-              <a:buNone/>
-              <a:defRPr sz="1200" b="1"/>
-            </a:lvl4pPr>
-            <a:lvl5pPr marL="1371600" indent="0">
-              <a:buNone/>
-              <a:defRPr sz="1200" b="1"/>
-            </a:lvl5pPr>
-            <a:lvl6pPr marL="1714500" indent="0">
-              <a:buNone/>
-              <a:defRPr sz="1200" b="1"/>
-            </a:lvl6pPr>
-            <a:lvl7pPr marL="2057400" indent="0">
-              <a:buNone/>
-              <a:defRPr sz="1200" b="1"/>
-            </a:lvl7pPr>
-            <a:lvl8pPr marL="2400300" indent="0">
-              <a:buNone/>
-              <a:defRPr sz="1200" b="1"/>
-            </a:lvl8pPr>
-            <a:lvl9pPr marL="2743200" indent="0">
-              <a:buNone/>
-              <a:defRPr sz="1200" b="1"/>
-            </a:lvl9pPr>
-          </a:lstStyle>
-          <a:p>
-            <a:pPr lvl="0"/>
-            <a:r>
-              <a:rPr lang="en-US"/>
-              <a:t>Click to edit Master text styles</a:t>
-            </a:r>
-          </a:p>
-        </p:txBody>
-      </p:sp>
-      <p:sp>
-        <p:nvSpPr>
-          <p:cNvPr id="4" name="Content Placeholder 3"/>
-          <p:cNvSpPr>
-            <a:spLocks noGrp="1"/>
-          </p:cNvSpPr>
-          <p:nvPr>
-            <p:ph sz="half" idx="2"/>
-          </p:nvPr>
-        </p:nvSpPr>
-        <p:spPr>
-          <a:xfrm>
-            <a:off x="629842" y="1956431"/>
-            <a:ext cx="3868340" cy="4205218"/>
-          </a:xfrm>
-        </p:spPr>
-        <p:txBody>
-          <a:bodyPr/>
-          <a:lstStyle/>
-          <a:p>
-            <a:pPr lvl="0"/>
-            <a:r>
-              <a:rPr lang="en-US"/>
-              <a:t>Click to edit Master text styles</a:t>
-            </a:r>
-          </a:p>
-          <a:p>
-            <a:pPr lvl="1"/>
-            <a:r>
-              <a:rPr lang="en-US"/>
-              <a:t>Second level</a:t>
-            </a:r>
-          </a:p>
-          <a:p>
-            <a:pPr lvl="2"/>
-            <a:r>
-              <a:rPr lang="en-US"/>
-              <a:t>Third level</a:t>
-            </a:r>
-          </a:p>
-          <a:p>
-            <a:pPr lvl="3"/>
-            <a:r>
-              <a:rPr lang="en-US"/>
-              <a:t>Fourth level</a:t>
-            </a:r>
-          </a:p>
-          <a:p>
-            <a:pPr lvl="4"/>
-            <a:r>
-              <a:rPr lang="en-US"/>
-              <a:t>Fifth level</a:t>
-            </a:r>
-          </a:p>
-        </p:txBody>
-      </p:sp>
-      <p:sp>
-        <p:nvSpPr>
-          <p:cNvPr id="5" name="Text Placeholder 4"/>
-          <p:cNvSpPr>
-            <a:spLocks noGrp="1"/>
-          </p:cNvSpPr>
-          <p:nvPr>
-            <p:ph type="body" sz="quarter" idx="3"/>
-          </p:nvPr>
-        </p:nvSpPr>
-        <p:spPr>
-          <a:xfrm>
-            <a:off x="4629150" y="1132519"/>
-            <a:ext cx="3887391" cy="823912"/>
-          </a:xfrm>
-        </p:spPr>
-        <p:txBody>
-          <a:bodyPr anchor="b"/>
-          <a:lstStyle>
-            <a:lvl1pPr marL="0" indent="0">
-              <a:buNone/>
-              <a:defRPr sz="1800" b="1"/>
-            </a:lvl1pPr>
-            <a:lvl2pPr marL="342900" indent="0">
-              <a:buNone/>
-              <a:defRPr sz="1500" b="1"/>
-            </a:lvl2pPr>
-            <a:lvl3pPr marL="685800" indent="0">
-              <a:buNone/>
-              <a:defRPr sz="1350" b="1"/>
-            </a:lvl3pPr>
-            <a:lvl4pPr marL="1028700" indent="0">
-              <a:buNone/>
-              <a:defRPr sz="1200" b="1"/>
-            </a:lvl4pPr>
-            <a:lvl5pPr marL="1371600" indent="0">
-              <a:buNone/>
-              <a:defRPr sz="1200" b="1"/>
-            </a:lvl5pPr>
-            <a:lvl6pPr marL="1714500" indent="0">
-              <a:buNone/>
-              <a:defRPr sz="1200" b="1"/>
-            </a:lvl6pPr>
-            <a:lvl7pPr marL="2057400" indent="0">
-              <a:buNone/>
-              <a:defRPr sz="1200" b="1"/>
-            </a:lvl7pPr>
-            <a:lvl8pPr marL="2400300" indent="0">
-              <a:buNone/>
-              <a:defRPr sz="1200" b="1"/>
-            </a:lvl8pPr>
-            <a:lvl9pPr marL="2743200" indent="0">
-              <a:buNone/>
-              <a:defRPr sz="1200" b="1"/>
-            </a:lvl9pPr>
-          </a:lstStyle>
-          <a:p>
-            <a:pPr lvl="0"/>
-            <a:r>
-              <a:rPr lang="en-US"/>
-              <a:t>Click to edit Master text styles</a:t>
-            </a:r>
-          </a:p>
-        </p:txBody>
-      </p:sp>
-      <p:sp>
-        <p:nvSpPr>
-          <p:cNvPr id="6" name="Content Placeholder 5"/>
-          <p:cNvSpPr>
-            <a:spLocks noGrp="1"/>
-          </p:cNvSpPr>
-          <p:nvPr>
-            <p:ph sz="quarter" idx="4"/>
-          </p:nvPr>
-        </p:nvSpPr>
-        <p:spPr>
-          <a:xfrm>
-            <a:off x="4629150" y="1956431"/>
-            <a:ext cx="3887391" cy="4205218"/>
-          </a:xfrm>
-        </p:spPr>
-        <p:txBody>
-          <a:bodyPr/>
-          <a:lstStyle/>
-          <a:p>
-            <a:pPr lvl="0"/>
-            <a:r>
-              <a:rPr lang="en-US"/>
-              <a:t>Click to edit Master text styles</a:t>
-            </a:r>
-          </a:p>
-          <a:p>
-            <a:pPr lvl="1"/>
-            <a:r>
-              <a:rPr lang="en-US"/>
-              <a:t>Second level</a:t>
-            </a:r>
-          </a:p>
-          <a:p>
-            <a:pPr lvl="2"/>
-            <a:r>
-              <a:rPr lang="en-US"/>
-              <a:t>Third level</a:t>
-            </a:r>
-          </a:p>
-          <a:p>
-            <a:pPr lvl="3"/>
-            <a:r>
-              <a:rPr lang="en-US"/>
-              <a:t>Fourth level</a:t>
-            </a:r>
-          </a:p>
-          <a:p>
-            <a:pPr lvl="4"/>
-            <a:r>
-              <a:rPr lang="en-US"/>
-              <a:t>Fifth level</a:t>
-            </a:r>
-          </a:p>
-        </p:txBody>
-      </p:sp>
-      <p:sp>
-        <p:nvSpPr>
-          <p:cNvPr id="7" name="Date Placeholder 6"/>
-          <p:cNvSpPr>
-            <a:spLocks noGrp="1"/>
-          </p:cNvSpPr>
-          <p:nvPr>
-            <p:ph type="dt" sz="half" idx="10"/>
-          </p:nvPr>
-        </p:nvSpPr>
-        <p:spPr/>
-        <p:txBody>
-          <a:bodyPr/>
-          <a:lstStyle/>
-          <a:p>
-            <a:fld id="{66CB2154-9035-4012-8189-BAAB61C5A5EE}" type="datetime1">
-              <a:rPr lang="en-US" smtClean="0"/>
-              <a:t>3/4/24</a:t>
-            </a:fld>
-            <a:endParaRPr lang="en-US"/>
-          </a:p>
-        </p:txBody>
-      </p:sp>
-      <p:sp>
-        <p:nvSpPr>
-          <p:cNvPr id="8" name="Footer Placeholder 7"/>
-          <p:cNvSpPr>
-            <a:spLocks noGrp="1"/>
-          </p:cNvSpPr>
-          <p:nvPr>
-            <p:ph type="ftr" sz="quarter" idx="11"/>
-          </p:nvPr>
-        </p:nvSpPr>
-        <p:spPr/>
-        <p:txBody>
-          <a:bodyPr/>
-          <a:lstStyle/>
-          <a:p>
-            <a:r>
-              <a:rPr lang="en-US" dirty="0"/>
-              <a:t>Kwartler </a:t>
-            </a:r>
-          </a:p>
-        </p:txBody>
-      </p:sp>
-      <p:sp>
-        <p:nvSpPr>
-          <p:cNvPr id="10" name="Title 1"/>
-          <p:cNvSpPr>
-            <a:spLocks noGrp="1"/>
-          </p:cNvSpPr>
-          <p:nvPr>
-            <p:ph type="title"/>
-          </p:nvPr>
-        </p:nvSpPr>
-        <p:spPr>
-          <a:xfrm>
-            <a:off x="628650" y="365126"/>
-            <a:ext cx="7886700" cy="591477"/>
-          </a:xfrm>
-          <a:prstGeom prst="rect">
-            <a:avLst/>
-          </a:prstGeom>
-        </p:spPr>
-        <p:txBody>
-          <a:bodyPr/>
-          <a:lstStyle/>
-          <a:p>
-            <a:r>
-              <a:rPr lang="en-US"/>
-              <a:t>Click to edit Master title style</a:t>
-            </a:r>
-          </a:p>
-        </p:txBody>
-      </p:sp>
-      <p:sp>
-        <p:nvSpPr>
-          <p:cNvPr id="11" name="Slide Number Placeholder 5"/>
-          <p:cNvSpPr>
-            <a:spLocks noGrp="1"/>
-          </p:cNvSpPr>
-          <p:nvPr>
-            <p:ph type="sldNum" sz="quarter" idx="12"/>
-          </p:nvPr>
-        </p:nvSpPr>
-        <p:spPr>
-          <a:xfrm>
-            <a:off x="6457950" y="6356351"/>
-            <a:ext cx="857250" cy="365125"/>
-          </a:xfrm>
-        </p:spPr>
-        <p:txBody>
-          <a:bodyPr/>
-          <a:lstStyle/>
-          <a:p>
-            <a:fld id="{37290FF7-652B-4475-AEAB-8B1A5D23AE09}" type="slidenum">
-              <a:rPr lang="en-US" smtClean="0"/>
-              <a:t>‹#›</a:t>
-            </a:fld>
-            <a:endParaRPr lang="en-US"/>
-          </a:p>
-        </p:txBody>
-      </p:sp>
-      <p:pic>
-        <p:nvPicPr>
-          <p:cNvPr id="12" name="Picture 2" descr="Image result for harvard logo transparent"/>
-          <p:cNvPicPr>
-            <a:picLocks noChangeAspect="1" noChangeArrowheads="1"/>
-          </p:cNvPicPr>
-          <p:nvPr userDrawn="1"/>
-        </p:nvPicPr>
-        <p:blipFill>
-          <a:blip r:embed="rId2" cstate="print">
-            <a:extLst>
-              <a:ext uri="{28A0092B-C50C-407E-A947-70E740481C1C}">
-                <a14:useLocalDpi xmlns:a14="http://schemas.microsoft.com/office/drawing/2010/main" val="0"/>
-              </a:ext>
-            </a:extLst>
-          </a:blip>
-          <a:srcRect/>
-          <a:stretch>
-            <a:fillRect/>
-          </a:stretch>
-        </p:blipFill>
-        <p:spPr bwMode="auto">
-          <a:xfrm>
-            <a:off x="7315200" y="6248400"/>
-            <a:ext cx="1828800" cy="609600"/>
-          </a:xfrm>
-          <a:prstGeom prst="rect">
-            <a:avLst/>
-          </a:prstGeom>
-          <a:noFill/>
-          <a:extLst>
-            <a:ext uri="{909E8E84-426E-40DD-AFC4-6F175D3DCCD1}">
-              <a14:hiddenFill xmlns:a14="http://schemas.microsoft.com/office/drawing/2010/main">
-                <a:solidFill>
-                  <a:srgbClr val="FFFFFF"/>
-                </a:solidFill>
-              </a14:hiddenFill>
-            </a:ext>
-          </a:extLst>
-        </p:spPr>
-      </p:pic>
-    </p:spTree>
-    <p:extLst>
-      <p:ext uri="{BB962C8B-B14F-4D97-AF65-F5344CB8AC3E}">
-        <p14:creationId xmlns:p14="http://schemas.microsoft.com/office/powerpoint/2010/main" val="3637502196"/>
-      </p:ext>
-    </p:extLst>
-  </p:cSld>
-  <p:clrMapOvr>
-    <a:masterClrMapping/>
-  </p:clrMapOvr>
-</p:sldLayout>
-</file>
-
-<file path=ppt/slideLayouts/slideLayout6.xml><?xml version="1.0" encoding="utf-8"?>
-<p:sldLayout xmlns:a="http://schemas.openxmlformats.org/drawingml/2006/main" xmlns:r="http://schemas.openxmlformats.org/officeDocument/2006/relationships" xmlns:p="http://schemas.openxmlformats.org/presentationml/2006/main" preserve="1" userDrawn="1">
-  <p:cSld name="Title Only">
-    <p:spTree>
-      <p:nvGrpSpPr>
-        <p:cNvPr id="1" name=""/>
-        <p:cNvGrpSpPr/>
-        <p:nvPr/>
-      </p:nvGrpSpPr>
-      <p:grpSpPr>
-        <a:xfrm>
-          <a:off x="0" y="0"/>
-          <a:ext cx="0" cy="0"/>
-          <a:chOff x="0" y="0"/>
-          <a:chExt cx="0" cy="0"/>
-        </a:xfrm>
-      </p:grpSpPr>
-      <p:sp>
-        <p:nvSpPr>
-          <p:cNvPr id="3" name="Date Placeholder 2"/>
-          <p:cNvSpPr>
-            <a:spLocks noGrp="1"/>
-          </p:cNvSpPr>
-          <p:nvPr>
-            <p:ph type="dt" sz="half" idx="10"/>
-          </p:nvPr>
-        </p:nvSpPr>
-        <p:spPr/>
-        <p:txBody>
-          <a:bodyPr/>
-          <a:lstStyle/>
-          <a:p>
-            <a:fld id="{6700A58B-DD98-43D0-B791-721480A02982}" type="datetime1">
-              <a:rPr lang="en-US" smtClean="0"/>
-              <a:t>3/4/24</a:t>
-            </a:fld>
-            <a:endParaRPr lang="en-US"/>
-          </a:p>
-        </p:txBody>
-      </p:sp>
-      <p:sp>
-        <p:nvSpPr>
-          <p:cNvPr id="6" name="Title 1"/>
-          <p:cNvSpPr>
-            <a:spLocks noGrp="1"/>
-          </p:cNvSpPr>
-          <p:nvPr>
-            <p:ph type="title"/>
-          </p:nvPr>
-        </p:nvSpPr>
-        <p:spPr>
-          <a:xfrm>
-            <a:off x="628650" y="365126"/>
-            <a:ext cx="7886700" cy="591477"/>
-          </a:xfrm>
-          <a:prstGeom prst="rect">
-            <a:avLst/>
-          </a:prstGeom>
-        </p:spPr>
-        <p:txBody>
-          <a:bodyPr/>
-          <a:lstStyle/>
-          <a:p>
-            <a:r>
-              <a:rPr lang="en-US"/>
-              <a:t>Click to edit Master title style</a:t>
-            </a:r>
-          </a:p>
-        </p:txBody>
-      </p:sp>
-      <p:sp>
-        <p:nvSpPr>
-          <p:cNvPr id="7" name="Slide Number Placeholder 5"/>
-          <p:cNvSpPr>
-            <a:spLocks noGrp="1"/>
-          </p:cNvSpPr>
-          <p:nvPr>
-            <p:ph type="sldNum" sz="quarter" idx="12"/>
-          </p:nvPr>
-        </p:nvSpPr>
-        <p:spPr>
-          <a:xfrm>
-            <a:off x="6457950" y="6356351"/>
-            <a:ext cx="857250" cy="365125"/>
-          </a:xfrm>
-        </p:spPr>
-        <p:txBody>
-          <a:bodyPr/>
-          <a:lstStyle/>
-          <a:p>
-            <a:fld id="{37290FF7-652B-4475-AEAB-8B1A5D23AE09}" type="slidenum">
-              <a:rPr lang="en-US" smtClean="0"/>
-              <a:t>‹#›</a:t>
-            </a:fld>
-            <a:endParaRPr lang="en-US"/>
-          </a:p>
-        </p:txBody>
-      </p:sp>
-      <p:pic>
-        <p:nvPicPr>
-          <p:cNvPr id="8" name="Picture 2" descr="Image result for harvard logo transparent"/>
-          <p:cNvPicPr>
-            <a:picLocks noChangeAspect="1" noChangeArrowheads="1"/>
-          </p:cNvPicPr>
-          <p:nvPr userDrawn="1"/>
-        </p:nvPicPr>
-        <p:blipFill>
-          <a:blip r:embed="rId2" cstate="print">
-            <a:extLst>
-              <a:ext uri="{28A0092B-C50C-407E-A947-70E740481C1C}">
-                <a14:useLocalDpi xmlns:a14="http://schemas.microsoft.com/office/drawing/2010/main" val="0"/>
-              </a:ext>
-            </a:extLst>
-          </a:blip>
-          <a:srcRect/>
-          <a:stretch>
-            <a:fillRect/>
-          </a:stretch>
-        </p:blipFill>
-        <p:spPr bwMode="auto">
-          <a:xfrm>
-            <a:off x="7315200" y="6248400"/>
-            <a:ext cx="1828800" cy="609600"/>
-          </a:xfrm>
-          <a:prstGeom prst="rect">
-            <a:avLst/>
-          </a:prstGeom>
-          <a:noFill/>
-          <a:extLst>
-            <a:ext uri="{909E8E84-426E-40DD-AFC4-6F175D3DCCD1}">
-              <a14:hiddenFill xmlns:a14="http://schemas.microsoft.com/office/drawing/2010/main">
-                <a:solidFill>
-                  <a:srgbClr val="FFFFFF"/>
-                </a:solidFill>
-              </a14:hiddenFill>
-            </a:ext>
-          </a:extLst>
-        </p:spPr>
-      </p:pic>
-      <p:sp>
-        <p:nvSpPr>
-          <p:cNvPr id="9" name="Footer Placeholder 4"/>
-          <p:cNvSpPr>
-            <a:spLocks noGrp="1"/>
-          </p:cNvSpPr>
-          <p:nvPr>
-            <p:ph type="ftr" sz="quarter" idx="3"/>
-          </p:nvPr>
-        </p:nvSpPr>
-        <p:spPr>
-          <a:xfrm>
-            <a:off x="3028950" y="6356351"/>
-            <a:ext cx="3086100" cy="365125"/>
-          </a:xfrm>
-          <a:prstGeom prst="rect">
-            <a:avLst/>
-          </a:prstGeom>
-        </p:spPr>
-        <p:txBody>
-          <a:bodyPr vert="horz" lIns="91440" tIns="45720" rIns="91440" bIns="45720" rtlCol="0" anchor="ctr"/>
-          <a:lstStyle>
-            <a:lvl1pPr algn="ctr">
-              <a:defRPr sz="900">
-                <a:solidFill>
-                  <a:schemeClr val="tx1">
-                    <a:tint val="75000"/>
-                  </a:schemeClr>
-                </a:solidFill>
-              </a:defRPr>
-            </a:lvl1pPr>
-          </a:lstStyle>
-          <a:p>
-            <a:r>
-              <a:rPr lang="en-US" dirty="0"/>
-              <a:t>Kwartler </a:t>
-            </a:r>
-          </a:p>
-        </p:txBody>
-      </p:sp>
-    </p:spTree>
-    <p:extLst>
-      <p:ext uri="{BB962C8B-B14F-4D97-AF65-F5344CB8AC3E}">
         <p14:creationId xmlns:p14="http://schemas.microsoft.com/office/powerpoint/2010/main" val="4285218193"/>
-      </p:ext>
-    </p:extLst>
-  </p:cSld>
-  <p:clrMapOvr>
-    <a:masterClrMapping/>
-  </p:clrMapOvr>
-</p:sldLayout>
-</file>
-
-<file path=ppt/slideLayouts/slideLayout7.xml><?xml version="1.0" encoding="utf-8"?>
-<p:sldLayout xmlns:a="http://schemas.openxmlformats.org/drawingml/2006/main" xmlns:r="http://schemas.openxmlformats.org/officeDocument/2006/relationships" xmlns:p="http://schemas.openxmlformats.org/presentationml/2006/main" type="blank" preserve="1">
-  <p:cSld name="Blank">
-    <p:spTree>
-      <p:nvGrpSpPr>
-        <p:cNvPr id="1" name=""/>
-        <p:cNvGrpSpPr/>
-        <p:nvPr/>
-      </p:nvGrpSpPr>
-      <p:grpSpPr>
-        <a:xfrm>
-          <a:off x="0" y="0"/>
-          <a:ext cx="0" cy="0"/>
-          <a:chOff x="0" y="0"/>
-          <a:chExt cx="0" cy="0"/>
-        </a:xfrm>
-      </p:grpSpPr>
-      <p:sp>
-        <p:nvSpPr>
-          <p:cNvPr id="2" name="Date Placeholder 1"/>
-          <p:cNvSpPr>
-            <a:spLocks noGrp="1"/>
-          </p:cNvSpPr>
-          <p:nvPr>
-            <p:ph type="dt" sz="half" idx="10"/>
-          </p:nvPr>
-        </p:nvSpPr>
-        <p:spPr/>
-        <p:txBody>
-          <a:bodyPr/>
-          <a:lstStyle/>
-          <a:p>
-            <a:fld id="{7DB6E382-4F61-4E24-BE1A-377EC83D0E3A}" type="datetime1">
-              <a:rPr lang="en-US" smtClean="0"/>
-              <a:t>3/4/24</a:t>
-            </a:fld>
-            <a:endParaRPr lang="en-US"/>
-          </a:p>
-        </p:txBody>
-      </p:sp>
-      <p:sp>
-        <p:nvSpPr>
-          <p:cNvPr id="5" name="Slide Number Placeholder 5"/>
-          <p:cNvSpPr>
-            <a:spLocks noGrp="1"/>
-          </p:cNvSpPr>
-          <p:nvPr>
-            <p:ph type="sldNum" sz="quarter" idx="12"/>
-          </p:nvPr>
-        </p:nvSpPr>
-        <p:spPr>
-          <a:xfrm>
-            <a:off x="6457950" y="6356351"/>
-            <a:ext cx="857250" cy="365125"/>
-          </a:xfrm>
-        </p:spPr>
-        <p:txBody>
-          <a:bodyPr/>
-          <a:lstStyle/>
-          <a:p>
-            <a:fld id="{37290FF7-652B-4475-AEAB-8B1A5D23AE09}" type="slidenum">
-              <a:rPr lang="en-US" smtClean="0"/>
-              <a:t>‹#›</a:t>
-            </a:fld>
-            <a:endParaRPr lang="en-US"/>
-          </a:p>
-        </p:txBody>
-      </p:sp>
-      <p:pic>
-        <p:nvPicPr>
-          <p:cNvPr id="6" name="Picture 2" descr="Image result for harvard logo transparent"/>
-          <p:cNvPicPr>
-            <a:picLocks noChangeAspect="1" noChangeArrowheads="1"/>
-          </p:cNvPicPr>
-          <p:nvPr userDrawn="1"/>
-        </p:nvPicPr>
-        <p:blipFill>
-          <a:blip r:embed="rId2" cstate="print">
-            <a:extLst>
-              <a:ext uri="{28A0092B-C50C-407E-A947-70E740481C1C}">
-                <a14:useLocalDpi xmlns:a14="http://schemas.microsoft.com/office/drawing/2010/main" val="0"/>
-              </a:ext>
-            </a:extLst>
-          </a:blip>
-          <a:srcRect/>
-          <a:stretch>
-            <a:fillRect/>
-          </a:stretch>
-        </p:blipFill>
-        <p:spPr bwMode="auto">
-          <a:xfrm>
-            <a:off x="7315200" y="6248400"/>
-            <a:ext cx="1828800" cy="609600"/>
-          </a:xfrm>
-          <a:prstGeom prst="rect">
-            <a:avLst/>
-          </a:prstGeom>
-          <a:noFill/>
-          <a:extLst>
-            <a:ext uri="{909E8E84-426E-40DD-AFC4-6F175D3DCCD1}">
-              <a14:hiddenFill xmlns:a14="http://schemas.microsoft.com/office/drawing/2010/main">
-                <a:solidFill>
-                  <a:srgbClr val="FFFFFF"/>
-                </a:solidFill>
-              </a14:hiddenFill>
-            </a:ext>
-          </a:extLst>
-        </p:spPr>
-      </p:pic>
-      <p:sp>
-        <p:nvSpPr>
-          <p:cNvPr id="7" name="Footer Placeholder 4"/>
-          <p:cNvSpPr>
-            <a:spLocks noGrp="1"/>
-          </p:cNvSpPr>
-          <p:nvPr>
-            <p:ph type="ftr" sz="quarter" idx="3"/>
-          </p:nvPr>
-        </p:nvSpPr>
-        <p:spPr>
-          <a:xfrm>
-            <a:off x="3028950" y="6356351"/>
-            <a:ext cx="3086100" cy="365125"/>
-          </a:xfrm>
-          <a:prstGeom prst="rect">
-            <a:avLst/>
-          </a:prstGeom>
-        </p:spPr>
-        <p:txBody>
-          <a:bodyPr vert="horz" lIns="91440" tIns="45720" rIns="91440" bIns="45720" rtlCol="0" anchor="ctr"/>
-          <a:lstStyle>
-            <a:lvl1pPr algn="ctr">
-              <a:defRPr sz="900">
-                <a:solidFill>
-                  <a:schemeClr val="tx1">
-                    <a:tint val="75000"/>
-                  </a:schemeClr>
-                </a:solidFill>
-              </a:defRPr>
-            </a:lvl1pPr>
-          </a:lstStyle>
-          <a:p>
-            <a:r>
-              <a:rPr lang="en-US" dirty="0"/>
-              <a:t>Kwartler </a:t>
-            </a:r>
-          </a:p>
-        </p:txBody>
-      </p:sp>
-    </p:spTree>
-    <p:extLst>
-      <p:ext uri="{BB962C8B-B14F-4D97-AF65-F5344CB8AC3E}">
-        <p14:creationId xmlns:p14="http://schemas.microsoft.com/office/powerpoint/2010/main" val="2241334300"/>
-      </p:ext>
-    </p:extLst>
-  </p:cSld>
-  <p:clrMapOvr>
-    <a:masterClrMapping/>
-  </p:clrMapOvr>
-</p:sldLayout>
-</file>
-
-<file path=ppt/slideLayouts/slideLayout8.xml><?xml version="1.0" encoding="utf-8"?>
-<p:sldLayout xmlns:a="http://schemas.openxmlformats.org/drawingml/2006/main" xmlns:r="http://schemas.openxmlformats.org/officeDocument/2006/relationships" xmlns:p="http://schemas.openxmlformats.org/presentationml/2006/main" preserve="1" userDrawn="1">
-  <p:cSld name="Content with Caption">
-    <p:spTree>
-      <p:nvGrpSpPr>
-        <p:cNvPr id="1" name=""/>
-        <p:cNvGrpSpPr/>
-        <p:nvPr/>
-      </p:nvGrpSpPr>
-      <p:grpSpPr>
-        <a:xfrm>
-          <a:off x="0" y="0"/>
-          <a:ext cx="0" cy="0"/>
-          <a:chOff x="0" y="0"/>
-          <a:chExt cx="0" cy="0"/>
-        </a:xfrm>
-      </p:grpSpPr>
-      <p:sp>
-        <p:nvSpPr>
-          <p:cNvPr id="3" name="Content Placeholder 2"/>
-          <p:cNvSpPr>
-            <a:spLocks noGrp="1"/>
-          </p:cNvSpPr>
-          <p:nvPr>
-            <p:ph idx="1"/>
-          </p:nvPr>
-        </p:nvSpPr>
-        <p:spPr>
-          <a:xfrm>
-            <a:off x="3887391" y="1083212"/>
-            <a:ext cx="4629150" cy="5078437"/>
-          </a:xfrm>
-        </p:spPr>
-        <p:txBody>
-          <a:bodyPr/>
-          <a:lstStyle>
-            <a:lvl1pPr>
-              <a:defRPr sz="2400"/>
-            </a:lvl1pPr>
-            <a:lvl2pPr>
-              <a:defRPr sz="2100"/>
-            </a:lvl2pPr>
-            <a:lvl3pPr>
-              <a:defRPr sz="1800"/>
-            </a:lvl3pPr>
-            <a:lvl4pPr>
-              <a:defRPr sz="1500"/>
-            </a:lvl4pPr>
-            <a:lvl5pPr>
-              <a:defRPr sz="1500"/>
-            </a:lvl5pPr>
-            <a:lvl6pPr>
-              <a:defRPr sz="1500"/>
-            </a:lvl6pPr>
-            <a:lvl7pPr>
-              <a:defRPr sz="1500"/>
-            </a:lvl7pPr>
-            <a:lvl8pPr>
-              <a:defRPr sz="1500"/>
-            </a:lvl8pPr>
-            <a:lvl9pPr>
-              <a:defRPr sz="1500"/>
-            </a:lvl9pPr>
-          </a:lstStyle>
-          <a:p>
-            <a:pPr lvl="0"/>
-            <a:r>
-              <a:rPr lang="en-US"/>
-              <a:t>Click to edit Master text styles</a:t>
-            </a:r>
-          </a:p>
-          <a:p>
-            <a:pPr lvl="1"/>
-            <a:r>
-              <a:rPr lang="en-US"/>
-              <a:t>Second level</a:t>
-            </a:r>
-          </a:p>
-          <a:p>
-            <a:pPr lvl="2"/>
-            <a:r>
-              <a:rPr lang="en-US"/>
-              <a:t>Third level</a:t>
-            </a:r>
-          </a:p>
-          <a:p>
-            <a:pPr lvl="3"/>
-            <a:r>
-              <a:rPr lang="en-US"/>
-              <a:t>Fourth level</a:t>
-            </a:r>
-          </a:p>
-          <a:p>
-            <a:pPr lvl="4"/>
-            <a:r>
-              <a:rPr lang="en-US"/>
-              <a:t>Fifth level</a:t>
-            </a:r>
-          </a:p>
-        </p:txBody>
-      </p:sp>
-      <p:sp>
-        <p:nvSpPr>
-          <p:cNvPr id="4" name="Text Placeholder 3"/>
-          <p:cNvSpPr>
-            <a:spLocks noGrp="1"/>
-          </p:cNvSpPr>
-          <p:nvPr>
-            <p:ph type="body" sz="half" idx="2"/>
-          </p:nvPr>
-        </p:nvSpPr>
-        <p:spPr>
-          <a:xfrm>
-            <a:off x="629841" y="1097279"/>
-            <a:ext cx="2949178" cy="5064369"/>
-          </a:xfrm>
-        </p:spPr>
-        <p:txBody>
-          <a:bodyPr/>
-          <a:lstStyle>
-            <a:lvl1pPr marL="0" indent="0">
-              <a:buNone/>
-              <a:defRPr sz="1200"/>
-            </a:lvl1pPr>
-            <a:lvl2pPr marL="342900" indent="0">
-              <a:buNone/>
-              <a:defRPr sz="1050"/>
-            </a:lvl2pPr>
-            <a:lvl3pPr marL="685800" indent="0">
-              <a:buNone/>
-              <a:defRPr sz="900"/>
-            </a:lvl3pPr>
-            <a:lvl4pPr marL="1028700" indent="0">
-              <a:buNone/>
-              <a:defRPr sz="750"/>
-            </a:lvl4pPr>
-            <a:lvl5pPr marL="1371600" indent="0">
-              <a:buNone/>
-              <a:defRPr sz="750"/>
-            </a:lvl5pPr>
-            <a:lvl6pPr marL="1714500" indent="0">
-              <a:buNone/>
-              <a:defRPr sz="750"/>
-            </a:lvl6pPr>
-            <a:lvl7pPr marL="2057400" indent="0">
-              <a:buNone/>
-              <a:defRPr sz="750"/>
-            </a:lvl7pPr>
-            <a:lvl8pPr marL="2400300" indent="0">
-              <a:buNone/>
-              <a:defRPr sz="750"/>
-            </a:lvl8pPr>
-            <a:lvl9pPr marL="2743200" indent="0">
-              <a:buNone/>
-              <a:defRPr sz="750"/>
-            </a:lvl9pPr>
-          </a:lstStyle>
-          <a:p>
-            <a:pPr lvl="0"/>
-            <a:r>
-              <a:rPr lang="en-US" dirty="0"/>
-              <a:t>Click to edit Master text styles</a:t>
-            </a:r>
-          </a:p>
-        </p:txBody>
-      </p:sp>
-      <p:sp>
-        <p:nvSpPr>
-          <p:cNvPr id="5" name="Date Placeholder 4"/>
-          <p:cNvSpPr>
-            <a:spLocks noGrp="1"/>
-          </p:cNvSpPr>
-          <p:nvPr>
-            <p:ph type="dt" sz="half" idx="10"/>
-          </p:nvPr>
-        </p:nvSpPr>
-        <p:spPr/>
-        <p:txBody>
-          <a:bodyPr/>
-          <a:lstStyle/>
-          <a:p>
-            <a:fld id="{4142EED6-FC16-45B9-B8C4-2BC5DBA88325}" type="datetime1">
-              <a:rPr lang="en-US" smtClean="0"/>
-              <a:t>3/4/24</a:t>
-            </a:fld>
-            <a:endParaRPr lang="en-US"/>
-          </a:p>
-        </p:txBody>
-      </p:sp>
-      <p:sp>
-        <p:nvSpPr>
-          <p:cNvPr id="8" name="Slide Number Placeholder 5"/>
-          <p:cNvSpPr>
-            <a:spLocks noGrp="1"/>
-          </p:cNvSpPr>
-          <p:nvPr>
-            <p:ph type="sldNum" sz="quarter" idx="12"/>
-          </p:nvPr>
-        </p:nvSpPr>
-        <p:spPr>
-          <a:xfrm>
-            <a:off x="6457950" y="6356351"/>
-            <a:ext cx="857250" cy="365125"/>
-          </a:xfrm>
-        </p:spPr>
-        <p:txBody>
-          <a:bodyPr/>
-          <a:lstStyle/>
-          <a:p>
-            <a:fld id="{37290FF7-652B-4475-AEAB-8B1A5D23AE09}" type="slidenum">
-              <a:rPr lang="en-US" smtClean="0"/>
-              <a:t>‹#›</a:t>
-            </a:fld>
-            <a:endParaRPr lang="en-US"/>
-          </a:p>
-        </p:txBody>
-      </p:sp>
-      <p:pic>
-        <p:nvPicPr>
-          <p:cNvPr id="9" name="Picture 2" descr="Image result for harvard logo transparent"/>
-          <p:cNvPicPr>
-            <a:picLocks noChangeAspect="1" noChangeArrowheads="1"/>
-          </p:cNvPicPr>
-          <p:nvPr userDrawn="1"/>
-        </p:nvPicPr>
-        <p:blipFill>
-          <a:blip r:embed="rId2" cstate="print">
-            <a:extLst>
-              <a:ext uri="{28A0092B-C50C-407E-A947-70E740481C1C}">
-                <a14:useLocalDpi xmlns:a14="http://schemas.microsoft.com/office/drawing/2010/main" val="0"/>
-              </a:ext>
-            </a:extLst>
-          </a:blip>
-          <a:srcRect/>
-          <a:stretch>
-            <a:fillRect/>
-          </a:stretch>
-        </p:blipFill>
-        <p:spPr bwMode="auto">
-          <a:xfrm>
-            <a:off x="7315200" y="6248400"/>
-            <a:ext cx="1828800" cy="609600"/>
-          </a:xfrm>
-          <a:prstGeom prst="rect">
-            <a:avLst/>
-          </a:prstGeom>
-          <a:noFill/>
-          <a:extLst>
-            <a:ext uri="{909E8E84-426E-40DD-AFC4-6F175D3DCCD1}">
-              <a14:hiddenFill xmlns:a14="http://schemas.microsoft.com/office/drawing/2010/main">
-                <a:solidFill>
-                  <a:srgbClr val="FFFFFF"/>
-                </a:solidFill>
-              </a14:hiddenFill>
-            </a:ext>
-          </a:extLst>
-        </p:spPr>
-      </p:pic>
-      <p:sp>
-        <p:nvSpPr>
-          <p:cNvPr id="10" name="Title 1"/>
-          <p:cNvSpPr>
-            <a:spLocks noGrp="1"/>
-          </p:cNvSpPr>
-          <p:nvPr>
-            <p:ph type="title"/>
-          </p:nvPr>
-        </p:nvSpPr>
-        <p:spPr>
-          <a:xfrm>
-            <a:off x="628650" y="365126"/>
-            <a:ext cx="7886700" cy="591477"/>
-          </a:xfrm>
-          <a:prstGeom prst="rect">
-            <a:avLst/>
-          </a:prstGeom>
-        </p:spPr>
-        <p:txBody>
-          <a:bodyPr/>
-          <a:lstStyle/>
-          <a:p>
-            <a:r>
-              <a:rPr lang="en-US"/>
-              <a:t>Click to edit Master title style</a:t>
-            </a:r>
-          </a:p>
-        </p:txBody>
-      </p:sp>
-      <p:sp>
-        <p:nvSpPr>
-          <p:cNvPr id="11" name="Footer Placeholder 4"/>
-          <p:cNvSpPr>
-            <a:spLocks noGrp="1"/>
-          </p:cNvSpPr>
-          <p:nvPr>
-            <p:ph type="ftr" sz="quarter" idx="3"/>
-          </p:nvPr>
-        </p:nvSpPr>
-        <p:spPr>
-          <a:xfrm>
-            <a:off x="3028950" y="6356351"/>
-            <a:ext cx="3086100" cy="365125"/>
-          </a:xfrm>
-          <a:prstGeom prst="rect">
-            <a:avLst/>
-          </a:prstGeom>
-        </p:spPr>
-        <p:txBody>
-          <a:bodyPr vert="horz" lIns="91440" tIns="45720" rIns="91440" bIns="45720" rtlCol="0" anchor="ctr"/>
-          <a:lstStyle>
-            <a:lvl1pPr algn="ctr">
-              <a:defRPr sz="900">
-                <a:solidFill>
-                  <a:schemeClr val="tx1">
-                    <a:tint val="75000"/>
-                  </a:schemeClr>
-                </a:solidFill>
-              </a:defRPr>
-            </a:lvl1pPr>
-          </a:lstStyle>
-          <a:p>
-            <a:r>
-              <a:rPr lang="en-US" dirty="0"/>
-              <a:t>Kwartler </a:t>
-            </a:r>
-          </a:p>
-        </p:txBody>
-      </p:sp>
-    </p:spTree>
-    <p:extLst>
-      <p:ext uri="{BB962C8B-B14F-4D97-AF65-F5344CB8AC3E}">
-        <p14:creationId xmlns:p14="http://schemas.microsoft.com/office/powerpoint/2010/main" val="3586237100"/>
-      </p:ext>
-    </p:extLst>
-  </p:cSld>
-  <p:clrMapOvr>
-    <a:masterClrMapping/>
-  </p:clrMapOvr>
-</p:sldLayout>
-</file>
-
-<file path=ppt/slideLayouts/slideLayout9.xml><?xml version="1.0" encoding="utf-8"?>
-<p:sldLayout xmlns:a="http://schemas.openxmlformats.org/drawingml/2006/main" xmlns:r="http://schemas.openxmlformats.org/officeDocument/2006/relationships" xmlns:p="http://schemas.openxmlformats.org/presentationml/2006/main" preserve="1" userDrawn="1">
-  <p:cSld name="Picture with Caption">
-    <p:spTree>
-      <p:nvGrpSpPr>
-        <p:cNvPr id="1" name=""/>
-        <p:cNvGrpSpPr/>
-        <p:nvPr/>
-      </p:nvGrpSpPr>
-      <p:grpSpPr>
-        <a:xfrm>
-          <a:off x="0" y="0"/>
-          <a:ext cx="0" cy="0"/>
-          <a:chOff x="0" y="0"/>
-          <a:chExt cx="0" cy="0"/>
-        </a:xfrm>
-      </p:grpSpPr>
-      <p:sp>
-        <p:nvSpPr>
-          <p:cNvPr id="3" name="Picture Placeholder 2"/>
-          <p:cNvSpPr>
-            <a:spLocks noGrp="1"/>
-          </p:cNvSpPr>
-          <p:nvPr>
-            <p:ph type="pic" idx="1"/>
-          </p:nvPr>
-        </p:nvSpPr>
-        <p:spPr>
-          <a:xfrm>
-            <a:off x="3887391" y="1139483"/>
-            <a:ext cx="4629150" cy="5022166"/>
-          </a:xfrm>
-        </p:spPr>
-        <p:txBody>
-          <a:bodyPr/>
-          <a:lstStyle>
-            <a:lvl1pPr marL="0" indent="0">
-              <a:buNone/>
-              <a:defRPr sz="2400"/>
-            </a:lvl1pPr>
-            <a:lvl2pPr marL="342900" indent="0">
-              <a:buNone/>
-              <a:defRPr sz="2100"/>
-            </a:lvl2pPr>
-            <a:lvl3pPr marL="685800" indent="0">
-              <a:buNone/>
-              <a:defRPr sz="1800"/>
-            </a:lvl3pPr>
-            <a:lvl4pPr marL="1028700" indent="0">
-              <a:buNone/>
-              <a:defRPr sz="1500"/>
-            </a:lvl4pPr>
-            <a:lvl5pPr marL="1371600" indent="0">
-              <a:buNone/>
-              <a:defRPr sz="1500"/>
-            </a:lvl5pPr>
-            <a:lvl6pPr marL="1714500" indent="0">
-              <a:buNone/>
-              <a:defRPr sz="1500"/>
-            </a:lvl6pPr>
-            <a:lvl7pPr marL="2057400" indent="0">
-              <a:buNone/>
-              <a:defRPr sz="1500"/>
-            </a:lvl7pPr>
-            <a:lvl8pPr marL="2400300" indent="0">
-              <a:buNone/>
-              <a:defRPr sz="1500"/>
-            </a:lvl8pPr>
-            <a:lvl9pPr marL="2743200" indent="0">
-              <a:buNone/>
-              <a:defRPr sz="1500"/>
-            </a:lvl9pPr>
-          </a:lstStyle>
-          <a:p>
-            <a:endParaRPr lang="en-US"/>
-          </a:p>
-        </p:txBody>
-      </p:sp>
-      <p:sp>
-        <p:nvSpPr>
-          <p:cNvPr id="4" name="Text Placeholder 3"/>
-          <p:cNvSpPr>
-            <a:spLocks noGrp="1"/>
-          </p:cNvSpPr>
-          <p:nvPr>
-            <p:ph type="body" sz="half" idx="2"/>
-          </p:nvPr>
-        </p:nvSpPr>
-        <p:spPr>
-          <a:xfrm>
-            <a:off x="629841" y="1181685"/>
-            <a:ext cx="2949178" cy="4979963"/>
-          </a:xfrm>
-        </p:spPr>
-        <p:txBody>
-          <a:bodyPr/>
-          <a:lstStyle>
-            <a:lvl1pPr marL="0" indent="0">
-              <a:buNone/>
-              <a:defRPr sz="1200"/>
-            </a:lvl1pPr>
-            <a:lvl2pPr marL="342900" indent="0">
-              <a:buNone/>
-              <a:defRPr sz="1050"/>
-            </a:lvl2pPr>
-            <a:lvl3pPr marL="685800" indent="0">
-              <a:buNone/>
-              <a:defRPr sz="900"/>
-            </a:lvl3pPr>
-            <a:lvl4pPr marL="1028700" indent="0">
-              <a:buNone/>
-              <a:defRPr sz="750"/>
-            </a:lvl4pPr>
-            <a:lvl5pPr marL="1371600" indent="0">
-              <a:buNone/>
-              <a:defRPr sz="750"/>
-            </a:lvl5pPr>
-            <a:lvl6pPr marL="1714500" indent="0">
-              <a:buNone/>
-              <a:defRPr sz="750"/>
-            </a:lvl6pPr>
-            <a:lvl7pPr marL="2057400" indent="0">
-              <a:buNone/>
-              <a:defRPr sz="750"/>
-            </a:lvl7pPr>
-            <a:lvl8pPr marL="2400300" indent="0">
-              <a:buNone/>
-              <a:defRPr sz="750"/>
-            </a:lvl8pPr>
-            <a:lvl9pPr marL="2743200" indent="0">
-              <a:buNone/>
-              <a:defRPr sz="750"/>
-            </a:lvl9pPr>
-          </a:lstStyle>
-          <a:p>
-            <a:pPr lvl="0"/>
-            <a:r>
-              <a:rPr lang="en-US"/>
-              <a:t>Click to edit Master text styles</a:t>
-            </a:r>
-          </a:p>
-        </p:txBody>
-      </p:sp>
-      <p:sp>
-        <p:nvSpPr>
-          <p:cNvPr id="5" name="Date Placeholder 4"/>
-          <p:cNvSpPr>
-            <a:spLocks noGrp="1"/>
-          </p:cNvSpPr>
-          <p:nvPr>
-            <p:ph type="dt" sz="half" idx="10"/>
-          </p:nvPr>
-        </p:nvSpPr>
-        <p:spPr/>
-        <p:txBody>
-          <a:bodyPr/>
-          <a:lstStyle/>
-          <a:p>
-            <a:fld id="{DF59512B-4F1D-43D7-8819-2F53FEF69650}" type="datetime1">
-              <a:rPr lang="en-US" smtClean="0"/>
-              <a:t>3/4/24</a:t>
-            </a:fld>
-            <a:endParaRPr lang="en-US"/>
-          </a:p>
-        </p:txBody>
-      </p:sp>
-      <p:sp>
-        <p:nvSpPr>
-          <p:cNvPr id="8" name="Slide Number Placeholder 5"/>
-          <p:cNvSpPr>
-            <a:spLocks noGrp="1"/>
-          </p:cNvSpPr>
-          <p:nvPr>
-            <p:ph type="sldNum" sz="quarter" idx="12"/>
-          </p:nvPr>
-        </p:nvSpPr>
-        <p:spPr>
-          <a:xfrm>
-            <a:off x="6457950" y="6356351"/>
-            <a:ext cx="857250" cy="365125"/>
-          </a:xfrm>
-        </p:spPr>
-        <p:txBody>
-          <a:bodyPr/>
-          <a:lstStyle/>
-          <a:p>
-            <a:fld id="{37290FF7-652B-4475-AEAB-8B1A5D23AE09}" type="slidenum">
-              <a:rPr lang="en-US" smtClean="0"/>
-              <a:t>‹#›</a:t>
-            </a:fld>
-            <a:endParaRPr lang="en-US"/>
-          </a:p>
-        </p:txBody>
-      </p:sp>
-      <p:pic>
-        <p:nvPicPr>
-          <p:cNvPr id="9" name="Picture 2" descr="Image result for harvard logo transparent"/>
-          <p:cNvPicPr>
-            <a:picLocks noChangeAspect="1" noChangeArrowheads="1"/>
-          </p:cNvPicPr>
-          <p:nvPr userDrawn="1"/>
-        </p:nvPicPr>
-        <p:blipFill>
-          <a:blip r:embed="rId2" cstate="print">
-            <a:extLst>
-              <a:ext uri="{28A0092B-C50C-407E-A947-70E740481C1C}">
-                <a14:useLocalDpi xmlns:a14="http://schemas.microsoft.com/office/drawing/2010/main" val="0"/>
-              </a:ext>
-            </a:extLst>
-          </a:blip>
-          <a:srcRect/>
-          <a:stretch>
-            <a:fillRect/>
-          </a:stretch>
-        </p:blipFill>
-        <p:spPr bwMode="auto">
-          <a:xfrm>
-            <a:off x="7315200" y="6248400"/>
-            <a:ext cx="1828800" cy="609600"/>
-          </a:xfrm>
-          <a:prstGeom prst="rect">
-            <a:avLst/>
-          </a:prstGeom>
-          <a:noFill/>
-          <a:extLst>
-            <a:ext uri="{909E8E84-426E-40DD-AFC4-6F175D3DCCD1}">
-              <a14:hiddenFill xmlns:a14="http://schemas.microsoft.com/office/drawing/2010/main">
-                <a:solidFill>
-                  <a:srgbClr val="FFFFFF"/>
-                </a:solidFill>
-              </a14:hiddenFill>
-            </a:ext>
-          </a:extLst>
-        </p:spPr>
-      </p:pic>
-      <p:sp>
-        <p:nvSpPr>
-          <p:cNvPr id="10" name="Title 1"/>
-          <p:cNvSpPr>
-            <a:spLocks noGrp="1"/>
-          </p:cNvSpPr>
-          <p:nvPr>
-            <p:ph type="title"/>
-          </p:nvPr>
-        </p:nvSpPr>
-        <p:spPr>
-          <a:xfrm>
-            <a:off x="628650" y="365126"/>
-            <a:ext cx="7886700" cy="591477"/>
-          </a:xfrm>
-          <a:prstGeom prst="rect">
-            <a:avLst/>
-          </a:prstGeom>
-        </p:spPr>
-        <p:txBody>
-          <a:bodyPr/>
-          <a:lstStyle/>
-          <a:p>
-            <a:r>
-              <a:rPr lang="en-US"/>
-              <a:t>Click to edit Master title style</a:t>
-            </a:r>
-          </a:p>
-        </p:txBody>
-      </p:sp>
-      <p:sp>
-        <p:nvSpPr>
-          <p:cNvPr id="11" name="Footer Placeholder 4"/>
-          <p:cNvSpPr>
-            <a:spLocks noGrp="1"/>
-          </p:cNvSpPr>
-          <p:nvPr>
-            <p:ph type="ftr" sz="quarter" idx="3"/>
-          </p:nvPr>
-        </p:nvSpPr>
-        <p:spPr>
-          <a:xfrm>
-            <a:off x="3028950" y="6356351"/>
-            <a:ext cx="3086100" cy="365125"/>
-          </a:xfrm>
-          <a:prstGeom prst="rect">
-            <a:avLst/>
-          </a:prstGeom>
-        </p:spPr>
-        <p:txBody>
-          <a:bodyPr vert="horz" lIns="91440" tIns="45720" rIns="91440" bIns="45720" rtlCol="0" anchor="ctr"/>
-          <a:lstStyle>
-            <a:lvl1pPr algn="ctr">
-              <a:defRPr sz="900">
-                <a:solidFill>
-                  <a:schemeClr val="tx1">
-                    <a:tint val="75000"/>
-                  </a:schemeClr>
-                </a:solidFill>
-              </a:defRPr>
-            </a:lvl1pPr>
-          </a:lstStyle>
-          <a:p>
-            <a:r>
-              <a:rPr lang="en-US" dirty="0"/>
-              <a:t>Kwartler </a:t>
-            </a:r>
-          </a:p>
-        </p:txBody>
-      </p:sp>
-    </p:spTree>
-    <p:extLst>
-      <p:ext uri="{BB962C8B-B14F-4D97-AF65-F5344CB8AC3E}">
-        <p14:creationId xmlns:p14="http://schemas.microsoft.com/office/powerpoint/2010/main" val="1954247540"/>
       </p:ext>
     </p:extLst>
   </p:cSld>
@@ -3855,7 +841,7 @@
           <a:p>
             <a:fld id="{08437B94-E2BF-44DC-ADC5-B05FC9934E9D}" type="datetime1">
               <a:rPr lang="en-US" smtClean="0"/>
-              <a:t>3/4/24</a:t>
+              <a:t>10/15/24</a:t>
             </a:fld>
             <a:endParaRPr lang="en-US"/>
           </a:p>
@@ -3986,17 +972,7 @@
   </p:cSld>
   <p:clrMap bg1="lt1" tx1="dk1" bg2="lt2" tx2="dk2" accent1="accent1" accent2="accent2" accent3="accent3" accent4="accent4" accent5="accent5" accent6="accent6" hlink="hlink" folHlink="folHlink"/>
   <p:sldLayoutIdLst>
-    <p:sldLayoutId id="2147483661" r:id="rId1"/>
-    <p:sldLayoutId id="2147483662" r:id="rId2"/>
-    <p:sldLayoutId id="2147483663" r:id="rId3"/>
-    <p:sldLayoutId id="2147483664" r:id="rId4"/>
-    <p:sldLayoutId id="2147483665" r:id="rId5"/>
-    <p:sldLayoutId id="2147483666" r:id="rId6"/>
-    <p:sldLayoutId id="2147483667" r:id="rId7"/>
-    <p:sldLayoutId id="2147483668" r:id="rId8"/>
-    <p:sldLayoutId id="2147483669" r:id="rId9"/>
-    <p:sldLayoutId id="2147483670" r:id="rId10"/>
-    <p:sldLayoutId id="2147483671" r:id="rId11"/>
+    <p:sldLayoutId id="2147483666" r:id="rId1"/>
   </p:sldLayoutIdLst>
   <p:hf hdr="0"/>
   <p:txStyles>
@@ -4322,7 +1298,7 @@
           <a:p>
             <a:fld id="{6700A58B-DD98-43D0-B791-721480A02982}" type="datetime1">
               <a:rPr lang="en-US" smtClean="0"/>
-              <a:t>3/4/24</a:t>
+              <a:t>10/15/24</a:t>
             </a:fld>
             <a:endParaRPr lang="en-US"/>
           </a:p>
@@ -4480,7 +1456,7 @@
 </file>
 
 <file path=ppt/slides/slide10.xml><?xml version="1.0" encoding="utf-8"?>
-<p:sld xmlns:a="http://schemas.openxmlformats.org/drawingml/2006/main" xmlns:r="http://schemas.openxmlformats.org/officeDocument/2006/relationships" xmlns:p="http://schemas.openxmlformats.org/presentationml/2006/main" show="0">
+<p:sld xmlns:a="http://schemas.openxmlformats.org/drawingml/2006/main" xmlns:r="http://schemas.openxmlformats.org/officeDocument/2006/relationships" xmlns:p="http://schemas.openxmlformats.org/presentationml/2006/main">
   <p:cSld>
     <p:spTree>
       <p:nvGrpSpPr>
@@ -4519,7 +1495,7 @@
           <a:p>
             <a:fld id="{6700A58B-DD98-43D0-B791-721480A02982}" type="datetime1">
               <a:rPr lang="en-US" smtClean="0"/>
-              <a:t>3/4/24</a:t>
+              <a:t>10/15/24</a:t>
             </a:fld>
             <a:endParaRPr lang="en-US"/>
           </a:p>
@@ -4931,7 +1907,7 @@
           <a:p>
             <a:fld id="{6700A58B-DD98-43D0-B791-721480A02982}" type="datetime1">
               <a:rPr lang="en-US" smtClean="0"/>
-              <a:t>3/4/24</a:t>
+              <a:t>10/15/24</a:t>
             </a:fld>
             <a:endParaRPr lang="en-US"/>
           </a:p>
@@ -4964,7 +1940,7 @@
             </a:r>
             <a:r>
               <a:rPr lang="en-US" dirty="0" err="1"/>
-              <a:t>D_Bank</a:t>
+              <a:t>C_Bank</a:t>
             </a:r>
             <a:r>
               <a:rPr lang="en-US" dirty="0"/>
@@ -5039,747 +2015,6 @@
     <p:extLst>
       <p:ext uri="{BB962C8B-B14F-4D97-AF65-F5344CB8AC3E}">
         <p14:creationId xmlns:p14="http://schemas.microsoft.com/office/powerpoint/2010/main" val="2095895998"/>
-      </p:ext>
-    </p:extLst>
-  </p:cSld>
-  <p:clrMapOvr>
-    <a:masterClrMapping/>
-  </p:clrMapOvr>
-</p:sld>
-</file>
-
-<file path=ppt/slides/slide12.xml><?xml version="1.0" encoding="utf-8"?>
-<p:sld xmlns:a="http://schemas.openxmlformats.org/drawingml/2006/main" xmlns:r="http://schemas.openxmlformats.org/officeDocument/2006/relationships" xmlns:p="http://schemas.openxmlformats.org/presentationml/2006/main">
-  <p:cSld>
-    <p:spTree>
-      <p:nvGrpSpPr>
-        <p:cNvPr id="1" name=""/>
-        <p:cNvGrpSpPr/>
-        <p:nvPr/>
-      </p:nvGrpSpPr>
-      <p:grpSpPr>
-        <a:xfrm>
-          <a:off x="0" y="0"/>
-          <a:ext cx="0" cy="0"/>
-          <a:chOff x="0" y="0"/>
-          <a:chExt cx="0" cy="0"/>
-        </a:xfrm>
-      </p:grpSpPr>
-      <p:sp>
-        <p:nvSpPr>
-          <p:cNvPr id="2" name="Date Placeholder 1"/>
-          <p:cNvSpPr>
-            <a:spLocks noGrp="1"/>
-          </p:cNvSpPr>
-          <p:nvPr>
-            <p:ph type="dt" sz="half" idx="10"/>
-          </p:nvPr>
-        </p:nvSpPr>
-        <p:spPr/>
-        <p:txBody>
-          <a:bodyPr/>
-          <a:lstStyle/>
-          <a:p>
-            <a:fld id="{6700A58B-DD98-43D0-B791-721480A02982}" type="datetime1">
-              <a:rPr lang="en-US" smtClean="0"/>
-              <a:t>3/4/24</a:t>
-            </a:fld>
-            <a:endParaRPr lang="en-US"/>
-          </a:p>
-        </p:txBody>
-      </p:sp>
-      <p:sp>
-        <p:nvSpPr>
-          <p:cNvPr id="3" name="Title 2"/>
-          <p:cNvSpPr>
-            <a:spLocks noGrp="1"/>
-          </p:cNvSpPr>
-          <p:nvPr>
-            <p:ph type="title"/>
-          </p:nvPr>
-        </p:nvSpPr>
-        <p:spPr/>
-        <p:txBody>
-          <a:bodyPr/>
-          <a:lstStyle/>
-          <a:p>
-            <a:r>
-              <a:rPr lang="en-US" dirty="0"/>
-              <a:t>Your Data Mining Toolbox</a:t>
-            </a:r>
-          </a:p>
-        </p:txBody>
-      </p:sp>
-      <p:sp>
-        <p:nvSpPr>
-          <p:cNvPr id="4" name="Slide Number Placeholder 3"/>
-          <p:cNvSpPr>
-            <a:spLocks noGrp="1"/>
-          </p:cNvSpPr>
-          <p:nvPr>
-            <p:ph type="sldNum" sz="quarter" idx="12"/>
-          </p:nvPr>
-        </p:nvSpPr>
-        <p:spPr/>
-        <p:txBody>
-          <a:bodyPr/>
-          <a:lstStyle/>
-          <a:p>
-            <a:fld id="{37290FF7-652B-4475-AEAB-8B1A5D23AE09}" type="slidenum">
-              <a:rPr lang="en-US" smtClean="0"/>
-              <a:t>12</a:t>
-            </a:fld>
-            <a:endParaRPr lang="en-US"/>
-          </a:p>
-        </p:txBody>
-      </p:sp>
-      <p:sp>
-        <p:nvSpPr>
-          <p:cNvPr id="5" name="Footer Placeholder 4"/>
-          <p:cNvSpPr>
-            <a:spLocks noGrp="1"/>
-          </p:cNvSpPr>
-          <p:nvPr>
-            <p:ph type="ftr" sz="quarter" idx="3"/>
-          </p:nvPr>
-        </p:nvSpPr>
-        <p:spPr/>
-        <p:txBody>
-          <a:bodyPr/>
-          <a:lstStyle/>
-          <a:p>
-            <a:r>
-              <a:rPr lang="en-US" dirty="0"/>
-              <a:t>Kwartler </a:t>
-            </a:r>
-          </a:p>
-        </p:txBody>
-      </p:sp>
-      <p:pic>
-        <p:nvPicPr>
-          <p:cNvPr id="31746" name="Picture 2" descr="Image result for toolbox meme"/>
-          <p:cNvPicPr>
-            <a:picLocks noChangeAspect="1" noChangeArrowheads="1"/>
-          </p:cNvPicPr>
-          <p:nvPr/>
-        </p:nvPicPr>
-        <p:blipFill>
-          <a:blip r:embed="rId3">
-            <a:extLst>
-              <a:ext uri="{28A0092B-C50C-407E-A947-70E740481C1C}">
-                <a14:useLocalDpi xmlns:a14="http://schemas.microsoft.com/office/drawing/2010/main" val="0"/>
-              </a:ext>
-            </a:extLst>
-          </a:blip>
-          <a:srcRect/>
-          <a:stretch>
-            <a:fillRect/>
-          </a:stretch>
-        </p:blipFill>
-        <p:spPr bwMode="auto">
-          <a:xfrm>
-            <a:off x="5688337" y="1395413"/>
-            <a:ext cx="3087363" cy="3652838"/>
-          </a:xfrm>
-          <a:prstGeom prst="rect">
-            <a:avLst/>
-          </a:prstGeom>
-          <a:noFill/>
-          <a:extLst>
-            <a:ext uri="{909E8E84-426E-40DD-AFC4-6F175D3DCCD1}">
-              <a14:hiddenFill xmlns:a14="http://schemas.microsoft.com/office/drawing/2010/main">
-                <a:solidFill>
-                  <a:srgbClr val="FFFFFF"/>
-                </a:solidFill>
-              </a14:hiddenFill>
-            </a:ext>
-          </a:extLst>
-        </p:spPr>
-      </p:pic>
-      <p:sp>
-        <p:nvSpPr>
-          <p:cNvPr id="6" name="TextBox 5"/>
-          <p:cNvSpPr txBox="1"/>
-          <p:nvPr/>
-        </p:nvSpPr>
-        <p:spPr>
-          <a:xfrm>
-            <a:off x="183481" y="1345532"/>
-            <a:ext cx="4830746" cy="3416320"/>
-          </a:xfrm>
-          <a:prstGeom prst="rect">
-            <a:avLst/>
-          </a:prstGeom>
-          <a:noFill/>
-        </p:spPr>
-        <p:txBody>
-          <a:bodyPr wrap="none" rtlCol="0">
-            <a:spAutoFit/>
-          </a:bodyPr>
-          <a:lstStyle/>
-          <a:p>
-            <a:r>
-              <a:rPr lang="en-US" u="sng" dirty="0"/>
-              <a:t>Previous Lessons</a:t>
-            </a:r>
-          </a:p>
-          <a:p>
-            <a:pPr marL="285750" indent="-285750">
-              <a:buFont typeface="Arial" panose="020B0604020202020204" pitchFamily="34" charset="0"/>
-              <a:buChar char="•"/>
-            </a:pPr>
-            <a:r>
-              <a:rPr lang="en-US" dirty="0"/>
-              <a:t>Some R Programming (R-studio)</a:t>
-            </a:r>
-          </a:p>
-          <a:p>
-            <a:pPr marL="285750" indent="-285750">
-              <a:buFont typeface="Arial" panose="020B0604020202020204" pitchFamily="34" charset="0"/>
-              <a:buChar char="•"/>
-            </a:pPr>
-            <a:r>
-              <a:rPr lang="en-US" dirty="0"/>
-              <a:t>EDA (summaries, column and row exploration)</a:t>
-            </a:r>
-          </a:p>
-          <a:p>
-            <a:pPr marL="285750" indent="-285750">
-              <a:buFont typeface="Arial" panose="020B0604020202020204" pitchFamily="34" charset="0"/>
-              <a:buChar char="•"/>
-            </a:pPr>
-            <a:r>
-              <a:rPr lang="en-US" dirty="0"/>
-              <a:t>Knowledge of Data Preparation (</a:t>
-            </a:r>
-            <a:r>
-              <a:rPr lang="en-US" dirty="0" err="1"/>
-              <a:t>vtreat</a:t>
-            </a:r>
-            <a:r>
-              <a:rPr lang="en-US" dirty="0"/>
-              <a:t>)</a:t>
-            </a:r>
-          </a:p>
-          <a:p>
-            <a:pPr marL="285750" indent="-285750">
-              <a:buFont typeface="Arial" panose="020B0604020202020204" pitchFamily="34" charset="0"/>
-              <a:buChar char="•"/>
-            </a:pPr>
-            <a:r>
-              <a:rPr lang="en-US" dirty="0"/>
-              <a:t>Basic Visualization (plot, </a:t>
-            </a:r>
-            <a:r>
-              <a:rPr lang="en-US" dirty="0" err="1"/>
-              <a:t>ggplot</a:t>
-            </a:r>
-            <a:r>
-              <a:rPr lang="en-US" dirty="0"/>
-              <a:t>)</a:t>
-            </a:r>
-          </a:p>
-          <a:p>
-            <a:pPr marL="285750" indent="-285750">
-              <a:buFont typeface="Arial" panose="020B0604020202020204" pitchFamily="34" charset="0"/>
-              <a:buChar char="•"/>
-            </a:pPr>
-            <a:r>
-              <a:rPr lang="en-US" dirty="0"/>
-              <a:t>Linear Regression (continuous)</a:t>
-            </a:r>
-          </a:p>
-          <a:p>
-            <a:pPr marL="285750" indent="-285750">
-              <a:buFont typeface="Arial" panose="020B0604020202020204" pitchFamily="34" charset="0"/>
-              <a:buChar char="•"/>
-            </a:pPr>
-            <a:r>
-              <a:rPr lang="en-US" dirty="0"/>
-              <a:t>Logistic Regression (Binary Classification) </a:t>
-            </a:r>
-          </a:p>
-          <a:p>
-            <a:pPr marL="285750" indent="-285750">
-              <a:buFont typeface="Arial" panose="020B0604020202020204" pitchFamily="34" charset="0"/>
-              <a:buChar char="•"/>
-            </a:pPr>
-            <a:r>
-              <a:rPr lang="en-US" dirty="0"/>
-              <a:t>Decision Tree (classification, continuous)</a:t>
-            </a:r>
-          </a:p>
-          <a:p>
-            <a:pPr marL="285750" indent="-285750">
-              <a:buFont typeface="Arial" panose="020B0604020202020204" pitchFamily="34" charset="0"/>
-              <a:buChar char="•"/>
-            </a:pPr>
-            <a:endParaRPr lang="en-US" dirty="0"/>
-          </a:p>
-          <a:p>
-            <a:endParaRPr lang="en-US" dirty="0"/>
-          </a:p>
-          <a:p>
-            <a:r>
-              <a:rPr lang="en-US" u="sng" dirty="0"/>
-              <a:t>Now</a:t>
-            </a:r>
-          </a:p>
-          <a:p>
-            <a:pPr marL="285750" indent="-285750">
-              <a:buFont typeface="Arial" panose="020B0604020202020204" pitchFamily="34" charset="0"/>
-              <a:buChar char="•"/>
-            </a:pPr>
-            <a:r>
-              <a:rPr lang="en-US" dirty="0" err="1"/>
-              <a:t>RandomForest</a:t>
-            </a:r>
-            <a:r>
-              <a:rPr lang="en-US" dirty="0"/>
-              <a:t> (classification, continuous)</a:t>
-            </a:r>
-          </a:p>
-        </p:txBody>
-      </p:sp>
-      <p:sp>
-        <p:nvSpPr>
-          <p:cNvPr id="7" name="Rectangle 6"/>
-          <p:cNvSpPr/>
-          <p:nvPr/>
-        </p:nvSpPr>
-        <p:spPr>
-          <a:xfrm>
-            <a:off x="228600" y="5529262"/>
-            <a:ext cx="8553450" cy="566737"/>
-          </a:xfrm>
-          <a:prstGeom prst="rect">
-            <a:avLst/>
-          </a:prstGeom>
-          <a:solidFill>
-            <a:schemeClr val="accent2"/>
-          </a:solidFill>
-          <a:ln>
-            <a:noFill/>
-          </a:ln>
-        </p:spPr>
-        <p:style>
-          <a:lnRef idx="2">
-            <a:schemeClr val="accent1">
-              <a:shade val="50000"/>
-            </a:schemeClr>
-          </a:lnRef>
-          <a:fillRef idx="1">
-            <a:schemeClr val="accent1"/>
-          </a:fillRef>
-          <a:effectRef idx="0">
-            <a:schemeClr val="accent1"/>
-          </a:effectRef>
-          <a:fontRef idx="minor">
-            <a:schemeClr val="lt1"/>
-          </a:fontRef>
-        </p:style>
-        <p:txBody>
-          <a:bodyPr rtlCol="0" anchor="ctr"/>
-          <a:lstStyle/>
-          <a:p>
-            <a:pPr algn="ctr"/>
-            <a:r>
-              <a:rPr lang="en-US" dirty="0"/>
-              <a:t>RF  is a standard and popular starting point for many </a:t>
-            </a:r>
-            <a:r>
-              <a:rPr lang="en-US"/>
-              <a:t>modeling projects.</a:t>
-            </a:r>
-            <a:endParaRPr lang="en-US" dirty="0"/>
-          </a:p>
-        </p:txBody>
-      </p:sp>
-      <p:pic>
-        <p:nvPicPr>
-          <p:cNvPr id="31750" name="Picture 6" descr="Related image"/>
-          <p:cNvPicPr>
-            <a:picLocks noChangeAspect="1" noChangeArrowheads="1"/>
-          </p:cNvPicPr>
-          <p:nvPr/>
-        </p:nvPicPr>
-        <p:blipFill>
-          <a:blip r:embed="rId4" cstate="print">
-            <a:extLst>
-              <a:ext uri="{28A0092B-C50C-407E-A947-70E740481C1C}">
-                <a14:useLocalDpi xmlns:a14="http://schemas.microsoft.com/office/drawing/2010/main" val="0"/>
-              </a:ext>
-            </a:extLst>
-          </a:blip>
-          <a:srcRect/>
-          <a:stretch>
-            <a:fillRect/>
-          </a:stretch>
-        </p:blipFill>
-        <p:spPr bwMode="auto">
-          <a:xfrm>
-            <a:off x="3553017" y="1690649"/>
-            <a:ext cx="216878" cy="246686"/>
-          </a:xfrm>
-          <a:prstGeom prst="rect">
-            <a:avLst/>
-          </a:prstGeom>
-          <a:noFill/>
-          <a:extLst>
-            <a:ext uri="{909E8E84-426E-40DD-AFC4-6F175D3DCCD1}">
-              <a14:hiddenFill xmlns:a14="http://schemas.microsoft.com/office/drawing/2010/main">
-                <a:solidFill>
-                  <a:srgbClr val="FFFFFF"/>
-                </a:solidFill>
-              </a14:hiddenFill>
-            </a:ext>
-          </a:extLst>
-        </p:spPr>
-      </p:pic>
-      <p:pic>
-        <p:nvPicPr>
-          <p:cNvPr id="18" name="Picture 6" descr="Related image"/>
-          <p:cNvPicPr>
-            <a:picLocks noChangeAspect="1" noChangeArrowheads="1"/>
-          </p:cNvPicPr>
-          <p:nvPr/>
-        </p:nvPicPr>
-        <p:blipFill>
-          <a:blip r:embed="rId4" cstate="print">
-            <a:extLst>
-              <a:ext uri="{28A0092B-C50C-407E-A947-70E740481C1C}">
-                <a14:useLocalDpi xmlns:a14="http://schemas.microsoft.com/office/drawing/2010/main" val="0"/>
-              </a:ext>
-            </a:extLst>
-          </a:blip>
-          <a:srcRect/>
-          <a:stretch>
-            <a:fillRect/>
-          </a:stretch>
-        </p:blipFill>
-        <p:spPr bwMode="auto">
-          <a:xfrm>
-            <a:off x="4892533" y="2019512"/>
-            <a:ext cx="216878" cy="246686"/>
-          </a:xfrm>
-          <a:prstGeom prst="rect">
-            <a:avLst/>
-          </a:prstGeom>
-          <a:noFill/>
-          <a:extLst>
-            <a:ext uri="{909E8E84-426E-40DD-AFC4-6F175D3DCCD1}">
-              <a14:hiddenFill xmlns:a14="http://schemas.microsoft.com/office/drawing/2010/main">
-                <a:solidFill>
-                  <a:srgbClr val="FFFFFF"/>
-                </a:solidFill>
-              </a14:hiddenFill>
-            </a:ext>
-          </a:extLst>
-        </p:spPr>
-      </p:pic>
-      <p:pic>
-        <p:nvPicPr>
-          <p:cNvPr id="19" name="Picture 6" descr="Related image"/>
-          <p:cNvPicPr>
-            <a:picLocks noChangeAspect="1" noChangeArrowheads="1"/>
-          </p:cNvPicPr>
-          <p:nvPr/>
-        </p:nvPicPr>
-        <p:blipFill>
-          <a:blip r:embed="rId4" cstate="print">
-            <a:extLst>
-              <a:ext uri="{28A0092B-C50C-407E-A947-70E740481C1C}">
-                <a14:useLocalDpi xmlns:a14="http://schemas.microsoft.com/office/drawing/2010/main" val="0"/>
-              </a:ext>
-            </a:extLst>
-          </a:blip>
-          <a:srcRect/>
-          <a:stretch>
-            <a:fillRect/>
-          </a:stretch>
-        </p:blipFill>
-        <p:spPr bwMode="auto">
-          <a:xfrm>
-            <a:off x="4234806" y="2276186"/>
-            <a:ext cx="216878" cy="246686"/>
-          </a:xfrm>
-          <a:prstGeom prst="rect">
-            <a:avLst/>
-          </a:prstGeom>
-          <a:noFill/>
-          <a:extLst>
-            <a:ext uri="{909E8E84-426E-40DD-AFC4-6F175D3DCCD1}">
-              <a14:hiddenFill xmlns:a14="http://schemas.microsoft.com/office/drawing/2010/main">
-                <a:solidFill>
-                  <a:srgbClr val="FFFFFF"/>
-                </a:solidFill>
-              </a14:hiddenFill>
-            </a:ext>
-          </a:extLst>
-        </p:spPr>
-      </p:pic>
-      <p:pic>
-        <p:nvPicPr>
-          <p:cNvPr id="20" name="Picture 6" descr="Related image"/>
-          <p:cNvPicPr>
-            <a:picLocks noChangeAspect="1" noChangeArrowheads="1"/>
-          </p:cNvPicPr>
-          <p:nvPr/>
-        </p:nvPicPr>
-        <p:blipFill>
-          <a:blip r:embed="rId4" cstate="print">
-            <a:extLst>
-              <a:ext uri="{28A0092B-C50C-407E-A947-70E740481C1C}">
-                <a14:useLocalDpi xmlns:a14="http://schemas.microsoft.com/office/drawing/2010/main" val="0"/>
-              </a:ext>
-            </a:extLst>
-          </a:blip>
-          <a:srcRect/>
-          <a:stretch>
-            <a:fillRect/>
-          </a:stretch>
-        </p:blipFill>
-        <p:spPr bwMode="auto">
-          <a:xfrm>
-            <a:off x="3528954" y="2548902"/>
-            <a:ext cx="216878" cy="246686"/>
-          </a:xfrm>
-          <a:prstGeom prst="rect">
-            <a:avLst/>
-          </a:prstGeom>
-          <a:noFill/>
-          <a:extLst>
-            <a:ext uri="{909E8E84-426E-40DD-AFC4-6F175D3DCCD1}">
-              <a14:hiddenFill xmlns:a14="http://schemas.microsoft.com/office/drawing/2010/main">
-                <a:solidFill>
-                  <a:srgbClr val="FFFFFF"/>
-                </a:solidFill>
-              </a14:hiddenFill>
-            </a:ext>
-          </a:extLst>
-        </p:spPr>
-      </p:pic>
-      <p:pic>
-        <p:nvPicPr>
-          <p:cNvPr id="21" name="Picture 6" descr="Related image"/>
-          <p:cNvPicPr>
-            <a:picLocks noChangeAspect="1" noChangeArrowheads="1"/>
-          </p:cNvPicPr>
-          <p:nvPr/>
-        </p:nvPicPr>
-        <p:blipFill>
-          <a:blip r:embed="rId4" cstate="print">
-            <a:extLst>
-              <a:ext uri="{28A0092B-C50C-407E-A947-70E740481C1C}">
-                <a14:useLocalDpi xmlns:a14="http://schemas.microsoft.com/office/drawing/2010/main" val="0"/>
-              </a:ext>
-            </a:extLst>
-          </a:blip>
-          <a:srcRect/>
-          <a:stretch>
-            <a:fillRect/>
-          </a:stretch>
-        </p:blipFill>
-        <p:spPr bwMode="auto">
-          <a:xfrm>
-            <a:off x="3480828" y="2821617"/>
-            <a:ext cx="216878" cy="246686"/>
-          </a:xfrm>
-          <a:prstGeom prst="rect">
-            <a:avLst/>
-          </a:prstGeom>
-          <a:noFill/>
-          <a:extLst>
-            <a:ext uri="{909E8E84-426E-40DD-AFC4-6F175D3DCCD1}">
-              <a14:hiddenFill xmlns:a14="http://schemas.microsoft.com/office/drawing/2010/main">
-                <a:solidFill>
-                  <a:srgbClr val="FFFFFF"/>
-                </a:solidFill>
-              </a14:hiddenFill>
-            </a:ext>
-          </a:extLst>
-        </p:spPr>
-      </p:pic>
-      <p:pic>
-        <p:nvPicPr>
-          <p:cNvPr id="22" name="Picture 6" descr="Related image"/>
-          <p:cNvPicPr>
-            <a:picLocks noChangeAspect="1" noChangeArrowheads="1"/>
-          </p:cNvPicPr>
-          <p:nvPr/>
-        </p:nvPicPr>
-        <p:blipFill>
-          <a:blip r:embed="rId4" cstate="print">
-            <a:extLst>
-              <a:ext uri="{28A0092B-C50C-407E-A947-70E740481C1C}">
-                <a14:useLocalDpi xmlns:a14="http://schemas.microsoft.com/office/drawing/2010/main" val="0"/>
-              </a:ext>
-            </a:extLst>
-          </a:blip>
-          <a:srcRect/>
-          <a:stretch>
-            <a:fillRect/>
-          </a:stretch>
-        </p:blipFill>
-        <p:spPr bwMode="auto">
-          <a:xfrm>
-            <a:off x="4394139" y="3596424"/>
-            <a:ext cx="216878" cy="246686"/>
-          </a:xfrm>
-          <a:prstGeom prst="rect">
-            <a:avLst/>
-          </a:prstGeom>
-          <a:noFill/>
-          <a:extLst>
-            <a:ext uri="{909E8E84-426E-40DD-AFC4-6F175D3DCCD1}">
-              <a14:hiddenFill xmlns:a14="http://schemas.microsoft.com/office/drawing/2010/main">
-                <a:solidFill>
-                  <a:srgbClr val="FFFFFF"/>
-                </a:solidFill>
-              </a14:hiddenFill>
-            </a:ext>
-          </a:extLst>
-        </p:spPr>
-      </p:pic>
-      <p:pic>
-        <p:nvPicPr>
-          <p:cNvPr id="23" name="Picture 6" descr="Related image"/>
-          <p:cNvPicPr>
-            <a:picLocks noChangeAspect="1" noChangeArrowheads="1"/>
-          </p:cNvPicPr>
-          <p:nvPr/>
-        </p:nvPicPr>
-        <p:blipFill>
-          <a:blip r:embed="rId4" cstate="print">
-            <a:extLst>
-              <a:ext uri="{28A0092B-C50C-407E-A947-70E740481C1C}">
-                <a14:useLocalDpi xmlns:a14="http://schemas.microsoft.com/office/drawing/2010/main" val="0"/>
-              </a:ext>
-            </a:extLst>
-          </a:blip>
-          <a:srcRect/>
-          <a:stretch>
-            <a:fillRect/>
-          </a:stretch>
-        </p:blipFill>
-        <p:spPr bwMode="auto">
-          <a:xfrm>
-            <a:off x="5245459" y="3367049"/>
-            <a:ext cx="216878" cy="246686"/>
-          </a:xfrm>
-          <a:prstGeom prst="rect">
-            <a:avLst/>
-          </a:prstGeom>
-          <a:noFill/>
-          <a:extLst>
-            <a:ext uri="{909E8E84-426E-40DD-AFC4-6F175D3DCCD1}">
-              <a14:hiddenFill xmlns:a14="http://schemas.microsoft.com/office/drawing/2010/main">
-                <a:solidFill>
-                  <a:srgbClr val="FFFFFF"/>
-                </a:solidFill>
-              </a14:hiddenFill>
-            </a:ext>
-          </a:extLst>
-        </p:spPr>
-      </p:pic>
-      <p:pic>
-        <p:nvPicPr>
-          <p:cNvPr id="16" name="Picture 6" descr="Related image">
-            <a:extLst>
-              <a:ext uri="{FF2B5EF4-FFF2-40B4-BE49-F238E27FC236}">
-                <a16:creationId xmlns:a16="http://schemas.microsoft.com/office/drawing/2014/main" id="{C100D930-E525-A441-A9CF-3E519C415F3C}"/>
-              </a:ext>
-            </a:extLst>
-          </p:cNvPr>
-          <p:cNvPicPr>
-            <a:picLocks noChangeAspect="1" noChangeArrowheads="1"/>
-          </p:cNvPicPr>
-          <p:nvPr/>
-        </p:nvPicPr>
-        <p:blipFill>
-          <a:blip r:embed="rId4" cstate="print">
-            <a:extLst>
-              <a:ext uri="{28A0092B-C50C-407E-A947-70E740481C1C}">
-                <a14:useLocalDpi xmlns:a14="http://schemas.microsoft.com/office/drawing/2010/main" val="0"/>
-              </a:ext>
-            </a:extLst>
-          </a:blip>
-          <a:srcRect/>
-          <a:stretch>
-            <a:fillRect/>
-          </a:stretch>
-        </p:blipFill>
-        <p:spPr bwMode="auto">
-          <a:xfrm>
-            <a:off x="4481539" y="4448156"/>
-            <a:ext cx="216878" cy="246686"/>
-          </a:xfrm>
-          <a:prstGeom prst="rect">
-            <a:avLst/>
-          </a:prstGeom>
-          <a:noFill/>
-          <a:extLst>
-            <a:ext uri="{909E8E84-426E-40DD-AFC4-6F175D3DCCD1}">
-              <a14:hiddenFill xmlns:a14="http://schemas.microsoft.com/office/drawing/2010/main">
-                <a:solidFill>
-                  <a:srgbClr val="FFFFFF"/>
-                </a:solidFill>
-              </a14:hiddenFill>
-            </a:ext>
-          </a:extLst>
-        </p:spPr>
-      </p:pic>
-      <p:pic>
-        <p:nvPicPr>
-          <p:cNvPr id="17" name="Picture 6" descr="Related image">
-            <a:extLst>
-              <a:ext uri="{FF2B5EF4-FFF2-40B4-BE49-F238E27FC236}">
-                <a16:creationId xmlns:a16="http://schemas.microsoft.com/office/drawing/2014/main" id="{7D228D82-A444-904E-9EE0-9136CC576AC5}"/>
-              </a:ext>
-            </a:extLst>
-          </p:cNvPr>
-          <p:cNvPicPr>
-            <a:picLocks noChangeAspect="1" noChangeArrowheads="1"/>
-          </p:cNvPicPr>
-          <p:nvPr/>
-        </p:nvPicPr>
-        <p:blipFill>
-          <a:blip r:embed="rId4" cstate="print">
-            <a:extLst>
-              <a:ext uri="{28A0092B-C50C-407E-A947-70E740481C1C}">
-                <a14:useLocalDpi xmlns:a14="http://schemas.microsoft.com/office/drawing/2010/main" val="0"/>
-              </a:ext>
-            </a:extLst>
-          </a:blip>
-          <a:srcRect/>
-          <a:stretch>
-            <a:fillRect/>
-          </a:stretch>
-        </p:blipFill>
-        <p:spPr bwMode="auto">
-          <a:xfrm>
-            <a:off x="4373100" y="3093780"/>
-            <a:ext cx="216878" cy="246686"/>
-          </a:xfrm>
-          <a:prstGeom prst="rect">
-            <a:avLst/>
-          </a:prstGeom>
-          <a:noFill/>
-          <a:extLst>
-            <a:ext uri="{909E8E84-426E-40DD-AFC4-6F175D3DCCD1}">
-              <a14:hiddenFill xmlns:a14="http://schemas.microsoft.com/office/drawing/2010/main">
-                <a:solidFill>
-                  <a:srgbClr val="FFFFFF"/>
-                </a:solidFill>
-              </a14:hiddenFill>
-            </a:ext>
-          </a:extLst>
-        </p:spPr>
-      </p:pic>
-    </p:spTree>
-    <p:extLst>
-      <p:ext uri="{BB962C8B-B14F-4D97-AF65-F5344CB8AC3E}">
-        <p14:creationId xmlns:p14="http://schemas.microsoft.com/office/powerpoint/2010/main" val="4100887251"/>
       </p:ext>
     </p:extLst>
   </p:cSld>
@@ -5829,7 +2064,7 @@
           <a:p>
             <a:fld id="{6700A58B-DD98-43D0-B791-721480A02982}" type="datetime1">
               <a:rPr lang="en-US" smtClean="0"/>
-              <a:t>3/4/24</a:t>
+              <a:t>10/15/24</a:t>
             </a:fld>
             <a:endParaRPr lang="en-US"/>
           </a:p>
@@ -6443,7 +2678,7 @@
           <a:p>
             <a:fld id="{6700A58B-DD98-43D0-B791-721480A02982}" type="datetime1">
               <a:rPr lang="en-US" smtClean="0"/>
-              <a:t>3/4/24</a:t>
+              <a:t>10/15/24</a:t>
             </a:fld>
             <a:endParaRPr lang="en-US"/>
           </a:p>
@@ -7138,7 +3373,7 @@
           <a:p>
             <a:fld id="{6700A58B-DD98-43D0-B791-721480A02982}" type="datetime1">
               <a:rPr lang="en-US" smtClean="0"/>
-              <a:t>3/4/24</a:t>
+              <a:t>10/15/24</a:t>
             </a:fld>
             <a:endParaRPr lang="en-US"/>
           </a:p>
@@ -10319,7 +6554,7 @@
           <a:p>
             <a:fld id="{6700A58B-DD98-43D0-B791-721480A02982}" type="datetime1">
               <a:rPr lang="en-US" smtClean="0"/>
-              <a:t>3/4/24</a:t>
+              <a:t>10/15/24</a:t>
             </a:fld>
             <a:endParaRPr lang="en-US"/>
           </a:p>
@@ -13565,7 +9800,7 @@
           <a:p>
             <a:fld id="{6700A58B-DD98-43D0-B791-721480A02982}" type="datetime1">
               <a:rPr lang="en-US" smtClean="0"/>
-              <a:t>3/4/24</a:t>
+              <a:t>10/15/24</a:t>
             </a:fld>
             <a:endParaRPr lang="en-US"/>
           </a:p>
@@ -14371,7 +10606,7 @@
           <a:p>
             <a:fld id="{6700A58B-DD98-43D0-B791-721480A02982}" type="datetime1">
               <a:rPr lang="en-US" smtClean="0"/>
-              <a:t>3/4/24</a:t>
+              <a:t>10/15/24</a:t>
             </a:fld>
             <a:endParaRPr lang="en-US"/>
           </a:p>
@@ -16235,7 +12470,7 @@
           <a:p>
             <a:fld id="{6700A58B-DD98-43D0-B791-721480A02982}" type="datetime1">
               <a:rPr lang="en-US" smtClean="0"/>
-              <a:t>3/4/24</a:t>
+              <a:t>10/15/24</a:t>
             </a:fld>
             <a:endParaRPr lang="en-US"/>
           </a:p>
@@ -17880,7 +14115,7 @@
           <a:p>
             <a:fld id="{6700A58B-DD98-43D0-B791-721480A02982}" type="datetime1">
               <a:rPr lang="en-US" smtClean="0"/>
-              <a:t>3/4/24</a:t>
+              <a:t>10/15/24</a:t>
             </a:fld>
             <a:endParaRPr lang="en-US"/>
           </a:p>
